--- a/appu.pptx
+++ b/appu.pptx
@@ -4,6 +4,9 @@
   <p:sldMasterIdLst>
     <p:sldMasterId id="2147483648" r:id="rId1"/>
   </p:sldMasterIdLst>
+  <p:notesMasterIdLst>
+    <p:notesMasterId r:id="rId16"/>
+  </p:notesMasterIdLst>
   <p:sldIdLst>
     <p:sldId id="256" r:id="rId2"/>
     <p:sldId id="258" r:id="rId3"/>
@@ -12,6 +15,13 @@
     <p:sldId id="259" r:id="rId6"/>
     <p:sldId id="260" r:id="rId7"/>
     <p:sldId id="262" r:id="rId8"/>
+    <p:sldId id="263" r:id="rId9"/>
+    <p:sldId id="264" r:id="rId10"/>
+    <p:sldId id="265" r:id="rId11"/>
+    <p:sldId id="266" r:id="rId12"/>
+    <p:sldId id="267" r:id="rId13"/>
+    <p:sldId id="268" r:id="rId14"/>
+    <p:sldId id="269" r:id="rId15"/>
   </p:sldIdLst>
   <p:sldSz cx="12192000" cy="6858000"/>
   <p:notesSz cx="6858000" cy="9144000"/>
@@ -118,6 +128,524 @@
 </p:presentation>
 </file>
 
+<file path=ppt/notesMasters/notesMaster1.xml><?xml version="1.0" encoding="utf-8"?>
+<p:notesMaster xmlns:a="http://schemas.openxmlformats.org/drawingml/2006/main" xmlns:r="http://schemas.openxmlformats.org/officeDocument/2006/relationships" xmlns:p="http://schemas.openxmlformats.org/presentationml/2006/main">
+  <p:cSld>
+    <p:bg>
+      <p:bgRef idx="1001">
+        <a:schemeClr val="bg1"/>
+      </p:bgRef>
+    </p:bg>
+    <p:spTree>
+      <p:nvGrpSpPr>
+        <p:cNvPr id="1" name=""/>
+        <p:cNvGrpSpPr/>
+        <p:nvPr/>
+      </p:nvGrpSpPr>
+      <p:grpSpPr>
+        <a:xfrm>
+          <a:off x="0" y="0"/>
+          <a:ext cx="0" cy="0"/>
+          <a:chOff x="0" y="0"/>
+          <a:chExt cx="0" cy="0"/>
+        </a:xfrm>
+      </p:grpSpPr>
+      <p:sp>
+        <p:nvSpPr>
+          <p:cNvPr id="2" name="Marcador de encabezado 1"/>
+          <p:cNvSpPr>
+            <a:spLocks noGrp="1"/>
+          </p:cNvSpPr>
+          <p:nvPr>
+            <p:ph type="hdr" sz="quarter"/>
+          </p:nvPr>
+        </p:nvSpPr>
+        <p:spPr>
+          <a:xfrm>
+            <a:off x="0" y="0"/>
+            <a:ext cx="2971800" cy="458788"/>
+          </a:xfrm>
+          <a:prstGeom prst="rect">
+            <a:avLst/>
+          </a:prstGeom>
+        </p:spPr>
+        <p:txBody>
+          <a:bodyPr vert="horz" lIns="91440" tIns="45720" rIns="91440" bIns="45720" rtlCol="0"/>
+          <a:lstStyle>
+            <a:lvl1pPr algn="l">
+              <a:defRPr sz="1200"/>
+            </a:lvl1pPr>
+          </a:lstStyle>
+          <a:p>
+            <a:endParaRPr lang="es-ES"/>
+          </a:p>
+        </p:txBody>
+      </p:sp>
+      <p:sp>
+        <p:nvSpPr>
+          <p:cNvPr id="3" name="Marcador de fecha 2"/>
+          <p:cNvSpPr>
+            <a:spLocks noGrp="1"/>
+          </p:cNvSpPr>
+          <p:nvPr>
+            <p:ph type="dt" idx="1"/>
+          </p:nvPr>
+        </p:nvSpPr>
+        <p:spPr>
+          <a:xfrm>
+            <a:off x="3884613" y="0"/>
+            <a:ext cx="2971800" cy="458788"/>
+          </a:xfrm>
+          <a:prstGeom prst="rect">
+            <a:avLst/>
+          </a:prstGeom>
+        </p:spPr>
+        <p:txBody>
+          <a:bodyPr vert="horz" lIns="91440" tIns="45720" rIns="91440" bIns="45720" rtlCol="0"/>
+          <a:lstStyle>
+            <a:lvl1pPr algn="r">
+              <a:defRPr sz="1200"/>
+            </a:lvl1pPr>
+          </a:lstStyle>
+          <a:p>
+            <a:fld id="{721D7042-0A2A-4143-98CB-F316AA182502}" type="datetimeFigureOut">
+              <a:rPr lang="es-ES" smtClean="0"/>
+              <a:t>13/03/2017</a:t>
+            </a:fld>
+            <a:endParaRPr lang="es-ES"/>
+          </a:p>
+        </p:txBody>
+      </p:sp>
+      <p:sp>
+        <p:nvSpPr>
+          <p:cNvPr id="4" name="Marcador de imagen de diapositiva 3"/>
+          <p:cNvSpPr>
+            <a:spLocks noGrp="1" noRot="1" noChangeAspect="1"/>
+          </p:cNvSpPr>
+          <p:nvPr>
+            <p:ph type="sldImg" idx="2"/>
+          </p:nvPr>
+        </p:nvSpPr>
+        <p:spPr>
+          <a:xfrm>
+            <a:off x="685800" y="1143000"/>
+            <a:ext cx="5486400" cy="3086100"/>
+          </a:xfrm>
+          <a:prstGeom prst="rect">
+            <a:avLst/>
+          </a:prstGeom>
+          <a:noFill/>
+          <a:ln w="12700">
+            <a:solidFill>
+              <a:prstClr val="black"/>
+            </a:solidFill>
+          </a:ln>
+        </p:spPr>
+        <p:txBody>
+          <a:bodyPr vert="horz" lIns="91440" tIns="45720" rIns="91440" bIns="45720" rtlCol="0" anchor="ctr"/>
+          <a:lstStyle/>
+          <a:p>
+            <a:endParaRPr lang="es-ES"/>
+          </a:p>
+        </p:txBody>
+      </p:sp>
+      <p:sp>
+        <p:nvSpPr>
+          <p:cNvPr id="5" name="Marcador de notas 4"/>
+          <p:cNvSpPr>
+            <a:spLocks noGrp="1"/>
+          </p:cNvSpPr>
+          <p:nvPr>
+            <p:ph type="body" sz="quarter" idx="3"/>
+          </p:nvPr>
+        </p:nvSpPr>
+        <p:spPr>
+          <a:xfrm>
+            <a:off x="685800" y="4400550"/>
+            <a:ext cx="5486400" cy="3600450"/>
+          </a:xfrm>
+          <a:prstGeom prst="rect">
+            <a:avLst/>
+          </a:prstGeom>
+        </p:spPr>
+        <p:txBody>
+          <a:bodyPr vert="horz" lIns="91440" tIns="45720" rIns="91440" bIns="45720" rtlCol="0"/>
+          <a:lstStyle/>
+          <a:p>
+            <a:pPr lvl="0"/>
+            <a:r>
+              <a:rPr lang="es-ES"/>
+              <a:t>Editar el estilo de texto del patrón</a:t>
+            </a:r>
+          </a:p>
+          <a:p>
+            <a:pPr lvl="1"/>
+            <a:r>
+              <a:rPr lang="es-ES"/>
+              <a:t>Segundo nivel</a:t>
+            </a:r>
+          </a:p>
+          <a:p>
+            <a:pPr lvl="2"/>
+            <a:r>
+              <a:rPr lang="es-ES"/>
+              <a:t>Tercer nivel</a:t>
+            </a:r>
+          </a:p>
+          <a:p>
+            <a:pPr lvl="3"/>
+            <a:r>
+              <a:rPr lang="es-ES"/>
+              <a:t>Cuarto nivel</a:t>
+            </a:r>
+          </a:p>
+          <a:p>
+            <a:pPr lvl="4"/>
+            <a:r>
+              <a:rPr lang="es-ES"/>
+              <a:t>Quinto nivel</a:t>
+            </a:r>
+            <a:endParaRPr lang="es-ES"/>
+          </a:p>
+        </p:txBody>
+      </p:sp>
+      <p:sp>
+        <p:nvSpPr>
+          <p:cNvPr id="6" name="Marcador de pie de página 5"/>
+          <p:cNvSpPr>
+            <a:spLocks noGrp="1"/>
+          </p:cNvSpPr>
+          <p:nvPr>
+            <p:ph type="ftr" sz="quarter" idx="4"/>
+          </p:nvPr>
+        </p:nvSpPr>
+        <p:spPr>
+          <a:xfrm>
+            <a:off x="0" y="8685213"/>
+            <a:ext cx="2971800" cy="458787"/>
+          </a:xfrm>
+          <a:prstGeom prst="rect">
+            <a:avLst/>
+          </a:prstGeom>
+        </p:spPr>
+        <p:txBody>
+          <a:bodyPr vert="horz" lIns="91440" tIns="45720" rIns="91440" bIns="45720" rtlCol="0" anchor="b"/>
+          <a:lstStyle>
+            <a:lvl1pPr algn="l">
+              <a:defRPr sz="1200"/>
+            </a:lvl1pPr>
+          </a:lstStyle>
+          <a:p>
+            <a:endParaRPr lang="es-ES"/>
+          </a:p>
+        </p:txBody>
+      </p:sp>
+      <p:sp>
+        <p:nvSpPr>
+          <p:cNvPr id="7" name="Marcador de número de diapositiva 6"/>
+          <p:cNvSpPr>
+            <a:spLocks noGrp="1"/>
+          </p:cNvSpPr>
+          <p:nvPr>
+            <p:ph type="sldNum" sz="quarter" idx="5"/>
+          </p:nvPr>
+        </p:nvSpPr>
+        <p:spPr>
+          <a:xfrm>
+            <a:off x="3884613" y="8685213"/>
+            <a:ext cx="2971800" cy="458787"/>
+          </a:xfrm>
+          <a:prstGeom prst="rect">
+            <a:avLst/>
+          </a:prstGeom>
+        </p:spPr>
+        <p:txBody>
+          <a:bodyPr vert="horz" lIns="91440" tIns="45720" rIns="91440" bIns="45720" rtlCol="0" anchor="b"/>
+          <a:lstStyle>
+            <a:lvl1pPr algn="r">
+              <a:defRPr sz="1200"/>
+            </a:lvl1pPr>
+          </a:lstStyle>
+          <a:p>
+            <a:fld id="{C81C5AD6-6847-41C9-A9CF-CBAB50014E33}" type="slidenum">
+              <a:rPr lang="es-ES" smtClean="0"/>
+              <a:t>‹Nº›</a:t>
+            </a:fld>
+            <a:endParaRPr lang="es-ES"/>
+          </a:p>
+        </p:txBody>
+      </p:sp>
+    </p:spTree>
+    <p:extLst>
+      <p:ext uri="{BB962C8B-B14F-4D97-AF65-F5344CB8AC3E}">
+        <p14:creationId xmlns:p14="http://schemas.microsoft.com/office/powerpoint/2010/main" val="2735796445"/>
+      </p:ext>
+    </p:extLst>
+  </p:cSld>
+  <p:clrMap bg1="lt1" tx1="dk1" bg2="lt2" tx2="dk2" accent1="accent1" accent2="accent2" accent3="accent3" accent4="accent4" accent5="accent5" accent6="accent6" hlink="hlink" folHlink="folHlink"/>
+  <p:notesStyle>
+    <a:lvl1pPr marL="0" algn="l" defTabSz="914400" rtl="0" eaLnBrk="1" latinLnBrk="0" hangingPunct="1">
+      <a:defRPr sz="1200" kern="1200">
+        <a:solidFill>
+          <a:schemeClr val="tx1"/>
+        </a:solidFill>
+        <a:latin typeface="+mn-lt"/>
+        <a:ea typeface="+mn-ea"/>
+        <a:cs typeface="+mn-cs"/>
+      </a:defRPr>
+    </a:lvl1pPr>
+    <a:lvl2pPr marL="457200" algn="l" defTabSz="914400" rtl="0" eaLnBrk="1" latinLnBrk="0" hangingPunct="1">
+      <a:defRPr sz="1200" kern="1200">
+        <a:solidFill>
+          <a:schemeClr val="tx1"/>
+        </a:solidFill>
+        <a:latin typeface="+mn-lt"/>
+        <a:ea typeface="+mn-ea"/>
+        <a:cs typeface="+mn-cs"/>
+      </a:defRPr>
+    </a:lvl2pPr>
+    <a:lvl3pPr marL="914400" algn="l" defTabSz="914400" rtl="0" eaLnBrk="1" latinLnBrk="0" hangingPunct="1">
+      <a:defRPr sz="1200" kern="1200">
+        <a:solidFill>
+          <a:schemeClr val="tx1"/>
+        </a:solidFill>
+        <a:latin typeface="+mn-lt"/>
+        <a:ea typeface="+mn-ea"/>
+        <a:cs typeface="+mn-cs"/>
+      </a:defRPr>
+    </a:lvl3pPr>
+    <a:lvl4pPr marL="1371600" algn="l" defTabSz="914400" rtl="0" eaLnBrk="1" latinLnBrk="0" hangingPunct="1">
+      <a:defRPr sz="1200" kern="1200">
+        <a:solidFill>
+          <a:schemeClr val="tx1"/>
+        </a:solidFill>
+        <a:latin typeface="+mn-lt"/>
+        <a:ea typeface="+mn-ea"/>
+        <a:cs typeface="+mn-cs"/>
+      </a:defRPr>
+    </a:lvl4pPr>
+    <a:lvl5pPr marL="1828800" algn="l" defTabSz="914400" rtl="0" eaLnBrk="1" latinLnBrk="0" hangingPunct="1">
+      <a:defRPr sz="1200" kern="1200">
+        <a:solidFill>
+          <a:schemeClr val="tx1"/>
+        </a:solidFill>
+        <a:latin typeface="+mn-lt"/>
+        <a:ea typeface="+mn-ea"/>
+        <a:cs typeface="+mn-cs"/>
+      </a:defRPr>
+    </a:lvl5pPr>
+    <a:lvl6pPr marL="2286000" algn="l" defTabSz="914400" rtl="0" eaLnBrk="1" latinLnBrk="0" hangingPunct="1">
+      <a:defRPr sz="1200" kern="1200">
+        <a:solidFill>
+          <a:schemeClr val="tx1"/>
+        </a:solidFill>
+        <a:latin typeface="+mn-lt"/>
+        <a:ea typeface="+mn-ea"/>
+        <a:cs typeface="+mn-cs"/>
+      </a:defRPr>
+    </a:lvl6pPr>
+    <a:lvl7pPr marL="2743200" algn="l" defTabSz="914400" rtl="0" eaLnBrk="1" latinLnBrk="0" hangingPunct="1">
+      <a:defRPr sz="1200" kern="1200">
+        <a:solidFill>
+          <a:schemeClr val="tx1"/>
+        </a:solidFill>
+        <a:latin typeface="+mn-lt"/>
+        <a:ea typeface="+mn-ea"/>
+        <a:cs typeface="+mn-cs"/>
+      </a:defRPr>
+    </a:lvl7pPr>
+    <a:lvl8pPr marL="3200400" algn="l" defTabSz="914400" rtl="0" eaLnBrk="1" latinLnBrk="0" hangingPunct="1">
+      <a:defRPr sz="1200" kern="1200">
+        <a:solidFill>
+          <a:schemeClr val="tx1"/>
+        </a:solidFill>
+        <a:latin typeface="+mn-lt"/>
+        <a:ea typeface="+mn-ea"/>
+        <a:cs typeface="+mn-cs"/>
+      </a:defRPr>
+    </a:lvl8pPr>
+    <a:lvl9pPr marL="3657600" algn="l" defTabSz="914400" rtl="0" eaLnBrk="1" latinLnBrk="0" hangingPunct="1">
+      <a:defRPr sz="1200" kern="1200">
+        <a:solidFill>
+          <a:schemeClr val="tx1"/>
+        </a:solidFill>
+        <a:latin typeface="+mn-lt"/>
+        <a:ea typeface="+mn-ea"/>
+        <a:cs typeface="+mn-cs"/>
+      </a:defRPr>
+    </a:lvl9pPr>
+  </p:notesStyle>
+</p:notesMaster>
+</file>
+
+<file path=ppt/notesSlides/notesSlide1.xml><?xml version="1.0" encoding="utf-8"?>
+<p:notes xmlns:a="http://schemas.openxmlformats.org/drawingml/2006/main" xmlns:r="http://schemas.openxmlformats.org/officeDocument/2006/relationships" xmlns:p="http://schemas.openxmlformats.org/presentationml/2006/main">
+  <p:cSld>
+    <p:spTree>
+      <p:nvGrpSpPr>
+        <p:cNvPr id="1" name=""/>
+        <p:cNvGrpSpPr/>
+        <p:nvPr/>
+      </p:nvGrpSpPr>
+      <p:grpSpPr>
+        <a:xfrm>
+          <a:off x="0" y="0"/>
+          <a:ext cx="0" cy="0"/>
+          <a:chOff x="0" y="0"/>
+          <a:chExt cx="0" cy="0"/>
+        </a:xfrm>
+      </p:grpSpPr>
+      <p:sp>
+        <p:nvSpPr>
+          <p:cNvPr id="2" name="Marcador de imagen de diapositiva 1"/>
+          <p:cNvSpPr>
+            <a:spLocks noGrp="1" noRot="1" noChangeAspect="1"/>
+          </p:cNvSpPr>
+          <p:nvPr>
+            <p:ph type="sldImg"/>
+          </p:nvPr>
+        </p:nvSpPr>
+        <p:spPr/>
+      </p:sp>
+      <p:sp>
+        <p:nvSpPr>
+          <p:cNvPr id="3" name="Marcador de notas 2"/>
+          <p:cNvSpPr>
+            <a:spLocks noGrp="1"/>
+          </p:cNvSpPr>
+          <p:nvPr>
+            <p:ph type="body" idx="1"/>
+          </p:nvPr>
+        </p:nvSpPr>
+        <p:spPr/>
+        <p:txBody>
+          <a:bodyPr/>
+          <a:lstStyle/>
+          <a:p>
+            <a:endParaRPr lang="es-ES" dirty="0"/>
+          </a:p>
+        </p:txBody>
+      </p:sp>
+      <p:sp>
+        <p:nvSpPr>
+          <p:cNvPr id="4" name="Marcador de número de diapositiva 3"/>
+          <p:cNvSpPr>
+            <a:spLocks noGrp="1"/>
+          </p:cNvSpPr>
+          <p:nvPr>
+            <p:ph type="sldNum" sz="quarter" idx="10"/>
+          </p:nvPr>
+        </p:nvSpPr>
+        <p:spPr/>
+        <p:txBody>
+          <a:bodyPr/>
+          <a:lstStyle/>
+          <a:p>
+            <a:fld id="{C81C5AD6-6847-41C9-A9CF-CBAB50014E33}" type="slidenum">
+              <a:rPr lang="es-ES" smtClean="0"/>
+              <a:t>8</a:t>
+            </a:fld>
+            <a:endParaRPr lang="es-ES"/>
+          </a:p>
+        </p:txBody>
+      </p:sp>
+    </p:spTree>
+    <p:extLst>
+      <p:ext uri="{BB962C8B-B14F-4D97-AF65-F5344CB8AC3E}">
+        <p14:creationId xmlns:p14="http://schemas.microsoft.com/office/powerpoint/2010/main" val="4259562217"/>
+      </p:ext>
+    </p:extLst>
+  </p:cSld>
+  <p:clrMapOvr>
+    <a:masterClrMapping/>
+  </p:clrMapOvr>
+</p:notes>
+</file>
+
+<file path=ppt/notesSlides/notesSlide2.xml><?xml version="1.0" encoding="utf-8"?>
+<p:notes xmlns:a="http://schemas.openxmlformats.org/drawingml/2006/main" xmlns:r="http://schemas.openxmlformats.org/officeDocument/2006/relationships" xmlns:p="http://schemas.openxmlformats.org/presentationml/2006/main">
+  <p:cSld>
+    <p:spTree>
+      <p:nvGrpSpPr>
+        <p:cNvPr id="1" name=""/>
+        <p:cNvGrpSpPr/>
+        <p:nvPr/>
+      </p:nvGrpSpPr>
+      <p:grpSpPr>
+        <a:xfrm>
+          <a:off x="0" y="0"/>
+          <a:ext cx="0" cy="0"/>
+          <a:chOff x="0" y="0"/>
+          <a:chExt cx="0" cy="0"/>
+        </a:xfrm>
+      </p:grpSpPr>
+      <p:sp>
+        <p:nvSpPr>
+          <p:cNvPr id="2" name="Marcador de imagen de diapositiva 1"/>
+          <p:cNvSpPr>
+            <a:spLocks noGrp="1" noRot="1" noChangeAspect="1"/>
+          </p:cNvSpPr>
+          <p:nvPr>
+            <p:ph type="sldImg"/>
+          </p:nvPr>
+        </p:nvSpPr>
+        <p:spPr/>
+      </p:sp>
+      <p:sp>
+        <p:nvSpPr>
+          <p:cNvPr id="3" name="Marcador de notas 2"/>
+          <p:cNvSpPr>
+            <a:spLocks noGrp="1"/>
+          </p:cNvSpPr>
+          <p:nvPr>
+            <p:ph type="body" idx="1"/>
+          </p:nvPr>
+        </p:nvSpPr>
+        <p:spPr/>
+        <p:txBody>
+          <a:bodyPr/>
+          <a:lstStyle/>
+          <a:p>
+            <a:endParaRPr lang="es-ES" dirty="0"/>
+          </a:p>
+        </p:txBody>
+      </p:sp>
+      <p:sp>
+        <p:nvSpPr>
+          <p:cNvPr id="4" name="Marcador de número de diapositiva 3"/>
+          <p:cNvSpPr>
+            <a:spLocks noGrp="1"/>
+          </p:cNvSpPr>
+          <p:nvPr>
+            <p:ph type="sldNum" sz="quarter" idx="10"/>
+          </p:nvPr>
+        </p:nvSpPr>
+        <p:spPr/>
+        <p:txBody>
+          <a:bodyPr/>
+          <a:lstStyle/>
+          <a:p>
+            <a:fld id="{C81C5AD6-6847-41C9-A9CF-CBAB50014E33}" type="slidenum">
+              <a:rPr lang="es-ES" smtClean="0"/>
+              <a:t>12</a:t>
+            </a:fld>
+            <a:endParaRPr lang="es-ES"/>
+          </a:p>
+        </p:txBody>
+      </p:sp>
+    </p:spTree>
+    <p:extLst>
+      <p:ext uri="{BB962C8B-B14F-4D97-AF65-F5344CB8AC3E}">
+        <p14:creationId xmlns:p14="http://schemas.microsoft.com/office/powerpoint/2010/main" val="2217700421"/>
+      </p:ext>
+    </p:extLst>
+  </p:cSld>
+  <p:clrMapOvr>
+    <a:masterClrMapping/>
+  </p:clrMapOvr>
+</p:notes>
+</file>
+
 <file path=ppt/slideLayouts/slideLayout1.xml><?xml version="1.0" encoding="utf-8"?>
 <p:sldLayout xmlns:a="http://schemas.openxmlformats.org/drawingml/2006/main" xmlns:r="http://schemas.openxmlformats.org/officeDocument/2006/relationships" xmlns:p="http://schemas.openxmlformats.org/presentationml/2006/main" type="title" preserve="1">
   <p:cSld name="Diapositiva de título">
@@ -160,10 +688,9 @@
           </a:lstStyle>
           <a:p>
             <a:r>
-              <a:rPr lang="es-ES" smtClean="0"/>
+              <a:rPr lang="es-ES"/>
               <a:t>Haga clic para modificar el estilo de título del patrón</a:t>
             </a:r>
-            <a:endParaRPr lang="es-ES"/>
           </a:p>
         </p:txBody>
       </p:sp>
@@ -225,10 +752,9 @@
           </a:lstStyle>
           <a:p>
             <a:r>
-              <a:rPr lang="es-ES" smtClean="0"/>
+              <a:rPr lang="es-ES"/>
               <a:t>Haga clic para editar el estilo de subtítulo del patrón</a:t>
             </a:r>
-            <a:endParaRPr lang="es-ES"/>
           </a:p>
         </p:txBody>
       </p:sp>
@@ -343,10 +869,9 @@
           <a:lstStyle/>
           <a:p>
             <a:r>
-              <a:rPr lang="es-ES" smtClean="0"/>
+              <a:rPr lang="es-ES"/>
               <a:t>Haga clic para modificar el estilo de título del patrón</a:t>
             </a:r>
-            <a:endParaRPr lang="es-ES"/>
           </a:p>
         </p:txBody>
       </p:sp>
@@ -367,38 +892,37 @@
           <a:p>
             <a:pPr lvl="0"/>
             <a:r>
-              <a:rPr lang="es-ES" smtClean="0"/>
+              <a:rPr lang="es-ES"/>
               <a:t>Editar el estilo de texto del patrón</a:t>
             </a:r>
           </a:p>
           <a:p>
             <a:pPr lvl="1"/>
             <a:r>
-              <a:rPr lang="es-ES" smtClean="0"/>
+              <a:rPr lang="es-ES"/>
               <a:t>Segundo nivel</a:t>
             </a:r>
           </a:p>
           <a:p>
             <a:pPr lvl="2"/>
             <a:r>
-              <a:rPr lang="es-ES" smtClean="0"/>
+              <a:rPr lang="es-ES"/>
               <a:t>Tercer nivel</a:t>
             </a:r>
           </a:p>
           <a:p>
             <a:pPr lvl="3"/>
             <a:r>
-              <a:rPr lang="es-ES" smtClean="0"/>
+              <a:rPr lang="es-ES"/>
               <a:t>Cuarto nivel</a:t>
             </a:r>
           </a:p>
           <a:p>
             <a:pPr lvl="4"/>
             <a:r>
-              <a:rPr lang="es-ES" smtClean="0"/>
+              <a:rPr lang="es-ES"/>
               <a:t>Quinto nivel</a:t>
             </a:r>
-            <a:endParaRPr lang="es-ES"/>
           </a:p>
         </p:txBody>
       </p:sp>
@@ -518,10 +1042,9 @@
           <a:lstStyle/>
           <a:p>
             <a:r>
-              <a:rPr lang="es-ES" smtClean="0"/>
+              <a:rPr lang="es-ES"/>
               <a:t>Haga clic para modificar el estilo de título del patrón</a:t>
             </a:r>
-            <a:endParaRPr lang="es-ES"/>
           </a:p>
         </p:txBody>
       </p:sp>
@@ -547,38 +1070,37 @@
           <a:p>
             <a:pPr lvl="0"/>
             <a:r>
-              <a:rPr lang="es-ES" smtClean="0"/>
+              <a:rPr lang="es-ES"/>
               <a:t>Editar el estilo de texto del patrón</a:t>
             </a:r>
           </a:p>
           <a:p>
             <a:pPr lvl="1"/>
             <a:r>
-              <a:rPr lang="es-ES" smtClean="0"/>
+              <a:rPr lang="es-ES"/>
               <a:t>Segundo nivel</a:t>
             </a:r>
           </a:p>
           <a:p>
             <a:pPr lvl="2"/>
             <a:r>
-              <a:rPr lang="es-ES" smtClean="0"/>
+              <a:rPr lang="es-ES"/>
               <a:t>Tercer nivel</a:t>
             </a:r>
           </a:p>
           <a:p>
             <a:pPr lvl="3"/>
             <a:r>
-              <a:rPr lang="es-ES" smtClean="0"/>
+              <a:rPr lang="es-ES"/>
               <a:t>Cuarto nivel</a:t>
             </a:r>
           </a:p>
           <a:p>
             <a:pPr lvl="4"/>
             <a:r>
-              <a:rPr lang="es-ES" smtClean="0"/>
+              <a:rPr lang="es-ES"/>
               <a:t>Quinto nivel</a:t>
             </a:r>
-            <a:endParaRPr lang="es-ES"/>
           </a:p>
         </p:txBody>
       </p:sp>
@@ -693,10 +1215,9 @@
           <a:lstStyle/>
           <a:p>
             <a:r>
-              <a:rPr lang="es-ES" smtClean="0"/>
+              <a:rPr lang="es-ES"/>
               <a:t>Haga clic para modificar el estilo de título del patrón</a:t>
             </a:r>
-            <a:endParaRPr lang="es-ES"/>
           </a:p>
         </p:txBody>
       </p:sp>
@@ -717,38 +1238,37 @@
           <a:p>
             <a:pPr lvl="0"/>
             <a:r>
-              <a:rPr lang="es-ES" smtClean="0"/>
+              <a:rPr lang="es-ES"/>
               <a:t>Editar el estilo de texto del patrón</a:t>
             </a:r>
           </a:p>
           <a:p>
             <a:pPr lvl="1"/>
             <a:r>
-              <a:rPr lang="es-ES" smtClean="0"/>
+              <a:rPr lang="es-ES"/>
               <a:t>Segundo nivel</a:t>
             </a:r>
           </a:p>
           <a:p>
             <a:pPr lvl="2"/>
             <a:r>
-              <a:rPr lang="es-ES" smtClean="0"/>
+              <a:rPr lang="es-ES"/>
               <a:t>Tercer nivel</a:t>
             </a:r>
           </a:p>
           <a:p>
             <a:pPr lvl="3"/>
             <a:r>
-              <a:rPr lang="es-ES" smtClean="0"/>
+              <a:rPr lang="es-ES"/>
               <a:t>Cuarto nivel</a:t>
             </a:r>
           </a:p>
           <a:p>
             <a:pPr lvl="4"/>
             <a:r>
-              <a:rPr lang="es-ES" smtClean="0"/>
+              <a:rPr lang="es-ES"/>
               <a:t>Quinto nivel</a:t>
             </a:r>
-            <a:endParaRPr lang="es-ES"/>
           </a:p>
         </p:txBody>
       </p:sp>
@@ -872,10 +1392,9 @@
           </a:lstStyle>
           <a:p>
             <a:r>
-              <a:rPr lang="es-ES" smtClean="0"/>
+              <a:rPr lang="es-ES"/>
               <a:t>Haga clic para modificar el estilo de título del patrón</a:t>
             </a:r>
-            <a:endParaRPr lang="es-ES"/>
           </a:p>
         </p:txBody>
       </p:sp>
@@ -992,7 +1511,7 @@
           <a:p>
             <a:pPr lvl="0"/>
             <a:r>
-              <a:rPr lang="es-ES" smtClean="0"/>
+              <a:rPr lang="es-ES"/>
               <a:t>Editar el estilo de texto del patrón</a:t>
             </a:r>
           </a:p>
@@ -1109,10 +1628,9 @@
           <a:lstStyle/>
           <a:p>
             <a:r>
-              <a:rPr lang="es-ES" smtClean="0"/>
+              <a:rPr lang="es-ES"/>
               <a:t>Haga clic para modificar el estilo de título del patrón</a:t>
             </a:r>
-            <a:endParaRPr lang="es-ES"/>
           </a:p>
         </p:txBody>
       </p:sp>
@@ -1138,38 +1656,37 @@
           <a:p>
             <a:pPr lvl="0"/>
             <a:r>
-              <a:rPr lang="es-ES" smtClean="0"/>
+              <a:rPr lang="es-ES"/>
               <a:t>Editar el estilo de texto del patrón</a:t>
             </a:r>
           </a:p>
           <a:p>
             <a:pPr lvl="1"/>
             <a:r>
-              <a:rPr lang="es-ES" smtClean="0"/>
+              <a:rPr lang="es-ES"/>
               <a:t>Segundo nivel</a:t>
             </a:r>
           </a:p>
           <a:p>
             <a:pPr lvl="2"/>
             <a:r>
-              <a:rPr lang="es-ES" smtClean="0"/>
+              <a:rPr lang="es-ES"/>
               <a:t>Tercer nivel</a:t>
             </a:r>
           </a:p>
           <a:p>
             <a:pPr lvl="3"/>
             <a:r>
-              <a:rPr lang="es-ES" smtClean="0"/>
+              <a:rPr lang="es-ES"/>
               <a:t>Cuarto nivel</a:t>
             </a:r>
           </a:p>
           <a:p>
             <a:pPr lvl="4"/>
             <a:r>
-              <a:rPr lang="es-ES" smtClean="0"/>
+              <a:rPr lang="es-ES"/>
               <a:t>Quinto nivel</a:t>
             </a:r>
-            <a:endParaRPr lang="es-ES"/>
           </a:p>
         </p:txBody>
       </p:sp>
@@ -1195,38 +1712,37 @@
           <a:p>
             <a:pPr lvl="0"/>
             <a:r>
-              <a:rPr lang="es-ES" smtClean="0"/>
+              <a:rPr lang="es-ES"/>
               <a:t>Editar el estilo de texto del patrón</a:t>
             </a:r>
           </a:p>
           <a:p>
             <a:pPr lvl="1"/>
             <a:r>
-              <a:rPr lang="es-ES" smtClean="0"/>
+              <a:rPr lang="es-ES"/>
               <a:t>Segundo nivel</a:t>
             </a:r>
           </a:p>
           <a:p>
             <a:pPr lvl="2"/>
             <a:r>
-              <a:rPr lang="es-ES" smtClean="0"/>
+              <a:rPr lang="es-ES"/>
               <a:t>Tercer nivel</a:t>
             </a:r>
           </a:p>
           <a:p>
             <a:pPr lvl="3"/>
             <a:r>
-              <a:rPr lang="es-ES" smtClean="0"/>
+              <a:rPr lang="es-ES"/>
               <a:t>Cuarto nivel</a:t>
             </a:r>
           </a:p>
           <a:p>
             <a:pPr lvl="4"/>
             <a:r>
-              <a:rPr lang="es-ES" smtClean="0"/>
+              <a:rPr lang="es-ES"/>
               <a:t>Quinto nivel</a:t>
             </a:r>
-            <a:endParaRPr lang="es-ES"/>
           </a:p>
         </p:txBody>
       </p:sp>
@@ -1346,10 +1862,9 @@
           <a:lstStyle/>
           <a:p>
             <a:r>
-              <a:rPr lang="es-ES" smtClean="0"/>
+              <a:rPr lang="es-ES"/>
               <a:t>Haga clic para modificar el estilo de título del patrón</a:t>
             </a:r>
-            <a:endParaRPr lang="es-ES"/>
           </a:p>
         </p:txBody>
       </p:sp>
@@ -1412,7 +1927,7 @@
           <a:p>
             <a:pPr lvl="0"/>
             <a:r>
-              <a:rPr lang="es-ES" smtClean="0"/>
+              <a:rPr lang="es-ES"/>
               <a:t>Editar el estilo de texto del patrón</a:t>
             </a:r>
           </a:p>
@@ -1440,38 +1955,37 @@
           <a:p>
             <a:pPr lvl="0"/>
             <a:r>
-              <a:rPr lang="es-ES" smtClean="0"/>
+              <a:rPr lang="es-ES"/>
               <a:t>Editar el estilo de texto del patrón</a:t>
             </a:r>
           </a:p>
           <a:p>
             <a:pPr lvl="1"/>
             <a:r>
-              <a:rPr lang="es-ES" smtClean="0"/>
+              <a:rPr lang="es-ES"/>
               <a:t>Segundo nivel</a:t>
             </a:r>
           </a:p>
           <a:p>
             <a:pPr lvl="2"/>
             <a:r>
-              <a:rPr lang="es-ES" smtClean="0"/>
+              <a:rPr lang="es-ES"/>
               <a:t>Tercer nivel</a:t>
             </a:r>
           </a:p>
           <a:p>
             <a:pPr lvl="3"/>
             <a:r>
-              <a:rPr lang="es-ES" smtClean="0"/>
+              <a:rPr lang="es-ES"/>
               <a:t>Cuarto nivel</a:t>
             </a:r>
           </a:p>
           <a:p>
             <a:pPr lvl="4"/>
             <a:r>
-              <a:rPr lang="es-ES" smtClean="0"/>
+              <a:rPr lang="es-ES"/>
               <a:t>Quinto nivel</a:t>
             </a:r>
-            <a:endParaRPr lang="es-ES"/>
           </a:p>
         </p:txBody>
       </p:sp>
@@ -1534,7 +2048,7 @@
           <a:p>
             <a:pPr lvl="0"/>
             <a:r>
-              <a:rPr lang="es-ES" smtClean="0"/>
+              <a:rPr lang="es-ES"/>
               <a:t>Editar el estilo de texto del patrón</a:t>
             </a:r>
           </a:p>
@@ -1562,38 +2076,37 @@
           <a:p>
             <a:pPr lvl="0"/>
             <a:r>
-              <a:rPr lang="es-ES" smtClean="0"/>
+              <a:rPr lang="es-ES"/>
               <a:t>Editar el estilo de texto del patrón</a:t>
             </a:r>
           </a:p>
           <a:p>
             <a:pPr lvl="1"/>
             <a:r>
-              <a:rPr lang="es-ES" smtClean="0"/>
+              <a:rPr lang="es-ES"/>
               <a:t>Segundo nivel</a:t>
             </a:r>
           </a:p>
           <a:p>
             <a:pPr lvl="2"/>
             <a:r>
-              <a:rPr lang="es-ES" smtClean="0"/>
+              <a:rPr lang="es-ES"/>
               <a:t>Tercer nivel</a:t>
             </a:r>
           </a:p>
           <a:p>
             <a:pPr lvl="3"/>
             <a:r>
-              <a:rPr lang="es-ES" smtClean="0"/>
+              <a:rPr lang="es-ES"/>
               <a:t>Cuarto nivel</a:t>
             </a:r>
           </a:p>
           <a:p>
             <a:pPr lvl="4"/>
             <a:r>
-              <a:rPr lang="es-ES" smtClean="0"/>
+              <a:rPr lang="es-ES"/>
               <a:t>Quinto nivel</a:t>
             </a:r>
-            <a:endParaRPr lang="es-ES"/>
           </a:p>
         </p:txBody>
       </p:sp>
@@ -1708,10 +2221,9 @@
           <a:lstStyle/>
           <a:p>
             <a:r>
-              <a:rPr lang="es-ES" smtClean="0"/>
+              <a:rPr lang="es-ES"/>
               <a:t>Haga clic para modificar el estilo de título del patrón</a:t>
             </a:r>
-            <a:endParaRPr lang="es-ES"/>
           </a:p>
         </p:txBody>
       </p:sp>
@@ -1930,10 +2442,9 @@
           </a:lstStyle>
           <a:p>
             <a:r>
-              <a:rPr lang="es-ES" smtClean="0"/>
+              <a:rPr lang="es-ES"/>
               <a:t>Haga clic para modificar el estilo de título del patrón</a:t>
             </a:r>
-            <a:endParaRPr lang="es-ES"/>
           </a:p>
         </p:txBody>
       </p:sp>
@@ -1987,38 +2498,37 @@
           <a:p>
             <a:pPr lvl="0"/>
             <a:r>
-              <a:rPr lang="es-ES" smtClean="0"/>
+              <a:rPr lang="es-ES"/>
               <a:t>Editar el estilo de texto del patrón</a:t>
             </a:r>
           </a:p>
           <a:p>
             <a:pPr lvl="1"/>
             <a:r>
-              <a:rPr lang="es-ES" smtClean="0"/>
+              <a:rPr lang="es-ES"/>
               <a:t>Segundo nivel</a:t>
             </a:r>
           </a:p>
           <a:p>
             <a:pPr lvl="2"/>
             <a:r>
-              <a:rPr lang="es-ES" smtClean="0"/>
+              <a:rPr lang="es-ES"/>
               <a:t>Tercer nivel</a:t>
             </a:r>
           </a:p>
           <a:p>
             <a:pPr lvl="3"/>
             <a:r>
-              <a:rPr lang="es-ES" smtClean="0"/>
+              <a:rPr lang="es-ES"/>
               <a:t>Cuarto nivel</a:t>
             </a:r>
           </a:p>
           <a:p>
             <a:pPr lvl="4"/>
             <a:r>
-              <a:rPr lang="es-ES" smtClean="0"/>
+              <a:rPr lang="es-ES"/>
               <a:t>Quinto nivel</a:t>
             </a:r>
-            <a:endParaRPr lang="es-ES"/>
           </a:p>
         </p:txBody>
       </p:sp>
@@ -2081,7 +2591,7 @@
           <a:p>
             <a:pPr lvl="0"/>
             <a:r>
-              <a:rPr lang="es-ES" smtClean="0"/>
+              <a:rPr lang="es-ES"/>
               <a:t>Editar el estilo de texto del patrón</a:t>
             </a:r>
           </a:p>
@@ -2207,10 +2717,9 @@
           </a:lstStyle>
           <a:p>
             <a:r>
-              <a:rPr lang="es-ES" smtClean="0"/>
+              <a:rPr lang="es-ES"/>
               <a:t>Haga clic para modificar el estilo de título del patrón</a:t>
             </a:r>
-            <a:endParaRPr lang="es-ES"/>
           </a:p>
         </p:txBody>
       </p:sp>
@@ -2334,7 +2843,7 @@
           <a:p>
             <a:pPr lvl="0"/>
             <a:r>
-              <a:rPr lang="es-ES" smtClean="0"/>
+              <a:rPr lang="es-ES"/>
               <a:t>Editar el estilo de texto del patrón</a:t>
             </a:r>
           </a:p>
@@ -2466,10 +2975,9 @@
           <a:lstStyle/>
           <a:p>
             <a:r>
-              <a:rPr lang="es-ES" smtClean="0"/>
+              <a:rPr lang="es-ES"/>
               <a:t>Haga clic para modificar el estilo de título del patrón</a:t>
             </a:r>
-            <a:endParaRPr lang="es-ES"/>
           </a:p>
         </p:txBody>
       </p:sp>
@@ -2500,38 +3008,37 @@
           <a:p>
             <a:pPr lvl="0"/>
             <a:r>
-              <a:rPr lang="es-ES" smtClean="0"/>
+              <a:rPr lang="es-ES"/>
               <a:t>Editar el estilo de texto del patrón</a:t>
             </a:r>
           </a:p>
           <a:p>
             <a:pPr lvl="1"/>
             <a:r>
-              <a:rPr lang="es-ES" smtClean="0"/>
+              <a:rPr lang="es-ES"/>
               <a:t>Segundo nivel</a:t>
             </a:r>
           </a:p>
           <a:p>
             <a:pPr lvl="2"/>
             <a:r>
-              <a:rPr lang="es-ES" smtClean="0"/>
+              <a:rPr lang="es-ES"/>
               <a:t>Tercer nivel</a:t>
             </a:r>
           </a:p>
           <a:p>
             <a:pPr lvl="3"/>
             <a:r>
-              <a:rPr lang="es-ES" smtClean="0"/>
+              <a:rPr lang="es-ES"/>
               <a:t>Cuarto nivel</a:t>
             </a:r>
           </a:p>
           <a:p>
             <a:pPr lvl="4"/>
             <a:r>
-              <a:rPr lang="es-ES" smtClean="0"/>
+              <a:rPr lang="es-ES"/>
               <a:t>Quinto nivel</a:t>
             </a:r>
-            <a:endParaRPr lang="es-ES"/>
           </a:p>
         </p:txBody>
       </p:sp>
@@ -2984,7 +3491,7 @@
         <p:spPr>
           <a:xfrm>
             <a:off x="3194743" y="1159727"/>
-            <a:ext cx="4980851" cy="3477875"/>
+            <a:ext cx="4980851" cy="3877985"/>
           </a:xfrm>
           <a:prstGeom prst="rect">
             <a:avLst/>
@@ -2999,32 +3506,41 @@
           <a:p>
             <a:pPr algn="ctr"/>
             <a:r>
-              <a:rPr lang="es-ES" sz="16600" dirty="0" smtClean="0"/>
+              <a:rPr lang="es-ES" sz="16600" dirty="0"/>
               <a:t>APPU</a:t>
             </a:r>
           </a:p>
           <a:p>
             <a:pPr algn="ctr"/>
             <a:r>
-              <a:rPr lang="en-US" dirty="0" smtClean="0"/>
+              <a:rPr lang="en-US" dirty="0"/>
               <a:t>(Automatic Podcast Publisher)</a:t>
             </a:r>
           </a:p>
           <a:p>
             <a:pPr algn="ctr"/>
-            <a:endParaRPr lang="en-US" dirty="0"/>
+            <a:endParaRPr lang="en-US" sz="1400" dirty="0"/>
           </a:p>
           <a:p>
             <a:pPr algn="ctr"/>
             <a:r>
+              <a:rPr lang="en-US" sz="2000" dirty="0">
+                <a:hlinkClick r:id="rId2"/>
+              </a:rPr>
+              <a:t>https://github.com/dacacioa/appu</a:t>
+            </a:r>
+            <a:endParaRPr lang="en-US" sz="2000" dirty="0"/>
+          </a:p>
+          <a:p>
+            <a:pPr algn="ctr"/>
+            <a:endParaRPr lang="en-US" sz="1400" dirty="0"/>
+          </a:p>
+          <a:p>
+            <a:pPr algn="ctr"/>
+            <a:r>
               <a:rPr lang="en-US" sz="1400" dirty="0"/>
-              <a:t>b</a:t>
-            </a:r>
-            <a:r>
-              <a:rPr lang="en-US" sz="1400" dirty="0" smtClean="0"/>
-              <a:t>y David Acacio</a:t>
-            </a:r>
-            <a:endParaRPr lang="en-US" sz="1400" dirty="0"/>
+              <a:t>by David Acacio</a:t>
+            </a:r>
           </a:p>
         </p:txBody>
       </p:sp>
@@ -3033,6 +3549,659 @@
           <p:cNvPr id="2" name="Imagen 1"/>
           <p:cNvPicPr>
             <a:picLocks noChangeAspect="1"/>
+          </p:cNvPicPr>
+          <p:nvPr/>
+        </p:nvPicPr>
+        <p:blipFill>
+          <a:blip r:embed="rId3">
+            <a:extLst>
+              <a:ext uri="{28A0092B-C50C-407E-A947-70E740481C1C}">
+                <a14:useLocalDpi xmlns:a14="http://schemas.microsoft.com/office/drawing/2010/main" val="0"/>
+              </a:ext>
+            </a:extLst>
+          </a:blip>
+          <a:stretch>
+            <a:fillRect/>
+          </a:stretch>
+        </p:blipFill>
+        <p:spPr>
+          <a:xfrm>
+            <a:off x="8536628" y="1898539"/>
+            <a:ext cx="2000250" cy="2000250"/>
+          </a:xfrm>
+          <a:prstGeom prst="rect">
+            <a:avLst/>
+          </a:prstGeom>
+        </p:spPr>
+      </p:pic>
+      <p:pic>
+        <p:nvPicPr>
+          <p:cNvPr id="3" name="Imagen 2"/>
+          <p:cNvPicPr>
+            <a:picLocks noChangeAspect="1"/>
+          </p:cNvPicPr>
+          <p:nvPr/>
+        </p:nvPicPr>
+        <p:blipFill>
+          <a:blip r:embed="rId4" cstate="print">
+            <a:extLst>
+              <a:ext uri="{28A0092B-C50C-407E-A947-70E740481C1C}">
+                <a14:useLocalDpi xmlns:a14="http://schemas.microsoft.com/office/drawing/2010/main" val="0"/>
+              </a:ext>
+            </a:extLst>
+          </a:blip>
+          <a:stretch>
+            <a:fillRect/>
+          </a:stretch>
+        </p:blipFill>
+        <p:spPr>
+          <a:xfrm>
+            <a:off x="223024" y="5876429"/>
+            <a:ext cx="892362" cy="892362"/>
+          </a:xfrm>
+          <a:prstGeom prst="rect">
+            <a:avLst/>
+          </a:prstGeom>
+        </p:spPr>
+      </p:pic>
+    </p:spTree>
+    <p:extLst>
+      <p:ext uri="{BB962C8B-B14F-4D97-AF65-F5344CB8AC3E}">
+        <p14:creationId xmlns:p14="http://schemas.microsoft.com/office/powerpoint/2010/main" val="1059414219"/>
+      </p:ext>
+    </p:extLst>
+  </p:cSld>
+  <p:clrMapOvr>
+    <a:masterClrMapping/>
+  </p:clrMapOvr>
+</p:sld>
+</file>
+
+<file path=ppt/slides/slide10.xml><?xml version="1.0" encoding="utf-8"?>
+<p:sld xmlns:a="http://schemas.openxmlformats.org/drawingml/2006/main" xmlns:r="http://schemas.openxmlformats.org/officeDocument/2006/relationships" xmlns:p="http://schemas.openxmlformats.org/presentationml/2006/main">
+  <p:cSld>
+    <p:spTree>
+      <p:nvGrpSpPr>
+        <p:cNvPr id="1" name=""/>
+        <p:cNvGrpSpPr/>
+        <p:nvPr/>
+      </p:nvGrpSpPr>
+      <p:grpSpPr>
+        <a:xfrm>
+          <a:off x="0" y="0"/>
+          <a:ext cx="0" cy="0"/>
+          <a:chOff x="0" y="0"/>
+          <a:chExt cx="0" cy="0"/>
+        </a:xfrm>
+      </p:grpSpPr>
+      <p:pic>
+        <p:nvPicPr>
+          <p:cNvPr id="3074" name="Picture 2" descr="Resultado de imagen de travis ci"/>
+          <p:cNvPicPr>
+            <a:picLocks noChangeAspect="1" noChangeArrowheads="1"/>
+          </p:cNvPicPr>
+          <p:nvPr/>
+        </p:nvPicPr>
+        <p:blipFill>
+          <a:blip r:embed="rId2" cstate="print">
+            <a:extLst>
+              <a:ext uri="{28A0092B-C50C-407E-A947-70E740481C1C}">
+                <a14:useLocalDpi xmlns:a14="http://schemas.microsoft.com/office/drawing/2010/main" val="0"/>
+              </a:ext>
+            </a:extLst>
+          </a:blip>
+          <a:srcRect/>
+          <a:stretch>
+            <a:fillRect/>
+          </a:stretch>
+        </p:blipFill>
+        <p:spPr bwMode="auto">
+          <a:xfrm>
+            <a:off x="5335480" y="331588"/>
+            <a:ext cx="1015893" cy="1007783"/>
+          </a:xfrm>
+          <a:prstGeom prst="rect">
+            <a:avLst/>
+          </a:prstGeom>
+          <a:noFill/>
+          <a:extLst>
+            <a:ext uri="{909E8E84-426E-40DD-AFC4-6F175D3DCCD1}">
+              <a14:hiddenFill xmlns:a14="http://schemas.microsoft.com/office/drawing/2010/main">
+                <a:solidFill>
+                  <a:srgbClr val="FFFFFF"/>
+                </a:solidFill>
+              </a14:hiddenFill>
+            </a:ext>
+          </a:extLst>
+        </p:spPr>
+      </p:pic>
+      <p:pic>
+        <p:nvPicPr>
+          <p:cNvPr id="2" name="Imagen 1"/>
+          <p:cNvPicPr>
+            <a:picLocks noChangeAspect="1"/>
+          </p:cNvPicPr>
+          <p:nvPr/>
+        </p:nvPicPr>
+        <p:blipFill>
+          <a:blip r:embed="rId3"/>
+          <a:stretch>
+            <a:fillRect/>
+          </a:stretch>
+        </p:blipFill>
+        <p:spPr>
+          <a:xfrm>
+            <a:off x="1766726" y="1528207"/>
+            <a:ext cx="8153400" cy="4600575"/>
+          </a:xfrm>
+          <a:prstGeom prst="rect">
+            <a:avLst/>
+          </a:prstGeom>
+        </p:spPr>
+      </p:pic>
+      <p:sp>
+        <p:nvSpPr>
+          <p:cNvPr id="3" name="CuadroTexto 2"/>
+          <p:cNvSpPr txBox="1"/>
+          <p:nvPr/>
+        </p:nvSpPr>
+        <p:spPr>
+          <a:xfrm>
+            <a:off x="3503971" y="6317618"/>
+            <a:ext cx="4678910" cy="369332"/>
+          </a:xfrm>
+          <a:prstGeom prst="rect">
+            <a:avLst/>
+          </a:prstGeom>
+          <a:noFill/>
+        </p:spPr>
+        <p:txBody>
+          <a:bodyPr wrap="none" rtlCol="0">
+            <a:spAutoFit/>
+          </a:bodyPr>
+          <a:lstStyle/>
+          <a:p>
+            <a:r>
+              <a:rPr lang="es-ES" dirty="0">
+                <a:hlinkClick r:id="rId4"/>
+              </a:rPr>
+              <a:t>https://docs.travis-ci.com/user/ci-environment/</a:t>
+            </a:r>
+            <a:endParaRPr lang="es-ES" dirty="0"/>
+          </a:p>
+        </p:txBody>
+      </p:sp>
+      <p:pic>
+        <p:nvPicPr>
+          <p:cNvPr id="5" name="Imagen 4"/>
+          <p:cNvPicPr>
+            <a:picLocks noChangeAspect="1"/>
+          </p:cNvPicPr>
+          <p:nvPr/>
+        </p:nvPicPr>
+        <p:blipFill>
+          <a:blip r:embed="rId5" cstate="print">
+            <a:extLst>
+              <a:ext uri="{28A0092B-C50C-407E-A947-70E740481C1C}">
+                <a14:useLocalDpi xmlns:a14="http://schemas.microsoft.com/office/drawing/2010/main" val="0"/>
+              </a:ext>
+            </a:extLst>
+          </a:blip>
+          <a:stretch>
+            <a:fillRect/>
+          </a:stretch>
+        </p:blipFill>
+        <p:spPr>
+          <a:xfrm>
+            <a:off x="223024" y="5876429"/>
+            <a:ext cx="892362" cy="892362"/>
+          </a:xfrm>
+          <a:prstGeom prst="rect">
+            <a:avLst/>
+          </a:prstGeom>
+        </p:spPr>
+      </p:pic>
+    </p:spTree>
+    <p:extLst>
+      <p:ext uri="{BB962C8B-B14F-4D97-AF65-F5344CB8AC3E}">
+        <p14:creationId xmlns:p14="http://schemas.microsoft.com/office/powerpoint/2010/main" val="1708605272"/>
+      </p:ext>
+    </p:extLst>
+  </p:cSld>
+  <p:clrMapOvr>
+    <a:masterClrMapping/>
+  </p:clrMapOvr>
+  <p:timing>
+    <p:tnLst>
+      <p:par>
+        <p:cTn id="1" dur="indefinite" restart="never" nodeType="tmRoot">
+          <p:childTnLst>
+            <p:seq concurrent="1" nextAc="seek">
+              <p:cTn id="2" dur="indefinite" nodeType="mainSeq">
+                <p:childTnLst>
+                  <p:par>
+                    <p:cTn id="3" fill="hold">
+                      <p:stCondLst>
+                        <p:cond delay="indefinite"/>
+                      </p:stCondLst>
+                      <p:childTnLst>
+                        <p:par>
+                          <p:cTn id="4" fill="hold">
+                            <p:stCondLst>
+                              <p:cond delay="0"/>
+                            </p:stCondLst>
+                            <p:childTnLst>
+                              <p:par>
+                                <p:cTn id="5" presetID="1" presetClass="entr" presetSubtype="0" fill="hold" nodeType="clickEffect">
+                                  <p:stCondLst>
+                                    <p:cond delay="0"/>
+                                  </p:stCondLst>
+                                  <p:childTnLst>
+                                    <p:set>
+                                      <p:cBhvr>
+                                        <p:cTn id="6" dur="1" fill="hold">
+                                          <p:stCondLst>
+                                            <p:cond delay="0"/>
+                                          </p:stCondLst>
+                                        </p:cTn>
+                                        <p:tgtEl>
+                                          <p:spTgt spid="2"/>
+                                        </p:tgtEl>
+                                        <p:attrNameLst>
+                                          <p:attrName>style.visibility</p:attrName>
+                                        </p:attrNameLst>
+                                      </p:cBhvr>
+                                      <p:to>
+                                        <p:strVal val="visible"/>
+                                      </p:to>
+                                    </p:set>
+                                  </p:childTnLst>
+                                </p:cTn>
+                              </p:par>
+                              <p:par>
+                                <p:cTn id="7" presetID="1" presetClass="entr" presetSubtype="0" fill="hold" grpId="0" nodeType="withEffect">
+                                  <p:stCondLst>
+                                    <p:cond delay="0"/>
+                                  </p:stCondLst>
+                                  <p:childTnLst>
+                                    <p:set>
+                                      <p:cBhvr>
+                                        <p:cTn id="8" dur="1" fill="hold">
+                                          <p:stCondLst>
+                                            <p:cond delay="0"/>
+                                          </p:stCondLst>
+                                        </p:cTn>
+                                        <p:tgtEl>
+                                          <p:spTgt spid="3"/>
+                                        </p:tgtEl>
+                                        <p:attrNameLst>
+                                          <p:attrName>style.visibility</p:attrName>
+                                        </p:attrNameLst>
+                                      </p:cBhvr>
+                                      <p:to>
+                                        <p:strVal val="visible"/>
+                                      </p:to>
+                                    </p:set>
+                                  </p:childTnLst>
+                                </p:cTn>
+                              </p:par>
+                            </p:childTnLst>
+                          </p:cTn>
+                        </p:par>
+                      </p:childTnLst>
+                    </p:cTn>
+                  </p:par>
+                </p:childTnLst>
+              </p:cTn>
+              <p:prevCondLst>
+                <p:cond evt="onPrev" delay="0">
+                  <p:tgtEl>
+                    <p:sldTgt/>
+                  </p:tgtEl>
+                </p:cond>
+              </p:prevCondLst>
+              <p:nextCondLst>
+                <p:cond evt="onNext" delay="0">
+                  <p:tgtEl>
+                    <p:sldTgt/>
+                  </p:tgtEl>
+                </p:cond>
+              </p:nextCondLst>
+            </p:seq>
+          </p:childTnLst>
+        </p:cTn>
+      </p:par>
+    </p:tnLst>
+    <p:bldLst>
+      <p:bldP spid="3" grpId="0"/>
+    </p:bldLst>
+  </p:timing>
+</p:sld>
+</file>
+
+<file path=ppt/slides/slide11.xml><?xml version="1.0" encoding="utf-8"?>
+<p:sld xmlns:a="http://schemas.openxmlformats.org/drawingml/2006/main" xmlns:r="http://schemas.openxmlformats.org/officeDocument/2006/relationships" xmlns:p="http://schemas.openxmlformats.org/presentationml/2006/main">
+  <p:cSld>
+    <p:spTree>
+      <p:nvGrpSpPr>
+        <p:cNvPr id="1" name=""/>
+        <p:cNvGrpSpPr/>
+        <p:nvPr/>
+      </p:nvGrpSpPr>
+      <p:grpSpPr>
+        <a:xfrm>
+          <a:off x="0" y="0"/>
+          <a:ext cx="0" cy="0"/>
+          <a:chOff x="0" y="0"/>
+          <a:chExt cx="0" cy="0"/>
+        </a:xfrm>
+      </p:grpSpPr>
+      <p:pic>
+        <p:nvPicPr>
+          <p:cNvPr id="3" name="Imagen 2"/>
+          <p:cNvPicPr>
+            <a:picLocks noChangeAspect="1"/>
+          </p:cNvPicPr>
+          <p:nvPr/>
+        </p:nvPicPr>
+        <p:blipFill>
+          <a:blip r:embed="rId2"/>
+          <a:stretch>
+            <a:fillRect/>
+          </a:stretch>
+        </p:blipFill>
+        <p:spPr>
+          <a:xfrm>
+            <a:off x="1882198" y="4221748"/>
+            <a:ext cx="8220075" cy="2143125"/>
+          </a:xfrm>
+          <a:prstGeom prst="rect">
+            <a:avLst/>
+          </a:prstGeom>
+        </p:spPr>
+      </p:pic>
+      <p:pic>
+        <p:nvPicPr>
+          <p:cNvPr id="4098" name="Picture 2" descr="Resultado de imagen de meme code yourself"/>
+          <p:cNvPicPr>
+            <a:picLocks noChangeAspect="1" noChangeArrowheads="1"/>
+          </p:cNvPicPr>
+          <p:nvPr/>
+        </p:nvPicPr>
+        <p:blipFill>
+          <a:blip r:embed="rId3">
+            <a:extLst>
+              <a:ext uri="{28A0092B-C50C-407E-A947-70E740481C1C}">
+                <a14:useLocalDpi xmlns:a14="http://schemas.microsoft.com/office/drawing/2010/main" val="0"/>
+              </a:ext>
+            </a:extLst>
+          </a:blip>
+          <a:srcRect/>
+          <a:stretch>
+            <a:fillRect/>
+          </a:stretch>
+        </p:blipFill>
+        <p:spPr bwMode="auto">
+          <a:xfrm>
+            <a:off x="3237747" y="328473"/>
+            <a:ext cx="5508976" cy="3478244"/>
+          </a:xfrm>
+          <a:prstGeom prst="rect">
+            <a:avLst/>
+          </a:prstGeom>
+          <a:noFill/>
+          <a:extLst>
+            <a:ext uri="{909E8E84-426E-40DD-AFC4-6F175D3DCCD1}">
+              <a14:hiddenFill xmlns:a14="http://schemas.microsoft.com/office/drawing/2010/main">
+                <a:solidFill>
+                  <a:srgbClr val="FFFFFF"/>
+                </a:solidFill>
+              </a14:hiddenFill>
+            </a:ext>
+          </a:extLst>
+        </p:spPr>
+      </p:pic>
+      <p:pic>
+        <p:nvPicPr>
+          <p:cNvPr id="5" name="Imagen 4"/>
+          <p:cNvPicPr>
+            <a:picLocks noChangeAspect="1"/>
+          </p:cNvPicPr>
+          <p:nvPr/>
+        </p:nvPicPr>
+        <p:blipFill>
+          <a:blip r:embed="rId4" cstate="print">
+            <a:extLst>
+              <a:ext uri="{28A0092B-C50C-407E-A947-70E740481C1C}">
+                <a14:useLocalDpi xmlns:a14="http://schemas.microsoft.com/office/drawing/2010/main" val="0"/>
+              </a:ext>
+            </a:extLst>
+          </a:blip>
+          <a:stretch>
+            <a:fillRect/>
+          </a:stretch>
+        </p:blipFill>
+        <p:spPr>
+          <a:xfrm>
+            <a:off x="223024" y="5876429"/>
+            <a:ext cx="892362" cy="892362"/>
+          </a:xfrm>
+          <a:prstGeom prst="rect">
+            <a:avLst/>
+          </a:prstGeom>
+        </p:spPr>
+      </p:pic>
+    </p:spTree>
+    <p:extLst>
+      <p:ext uri="{BB962C8B-B14F-4D97-AF65-F5344CB8AC3E}">
+        <p14:creationId xmlns:p14="http://schemas.microsoft.com/office/powerpoint/2010/main" val="2506899729"/>
+      </p:ext>
+    </p:extLst>
+  </p:cSld>
+  <p:clrMapOvr>
+    <a:masterClrMapping/>
+  </p:clrMapOvr>
+  <p:timing>
+    <p:tnLst>
+      <p:par>
+        <p:cTn id="1" dur="indefinite" restart="never" nodeType="tmRoot">
+          <p:childTnLst>
+            <p:seq concurrent="1" nextAc="seek">
+              <p:cTn id="2" dur="indefinite" nodeType="mainSeq">
+                <p:childTnLst>
+                  <p:par>
+                    <p:cTn id="3" fill="hold">
+                      <p:stCondLst>
+                        <p:cond delay="indefinite"/>
+                      </p:stCondLst>
+                      <p:childTnLst>
+                        <p:par>
+                          <p:cTn id="4" fill="hold">
+                            <p:stCondLst>
+                              <p:cond delay="0"/>
+                            </p:stCondLst>
+                            <p:childTnLst>
+                              <p:par>
+                                <p:cTn id="5" presetID="1" presetClass="entr" presetSubtype="0" fill="hold" nodeType="clickEffect">
+                                  <p:stCondLst>
+                                    <p:cond delay="0"/>
+                                  </p:stCondLst>
+                                  <p:childTnLst>
+                                    <p:set>
+                                      <p:cBhvr>
+                                        <p:cTn id="6" dur="1" fill="hold">
+                                          <p:stCondLst>
+                                            <p:cond delay="0"/>
+                                          </p:stCondLst>
+                                        </p:cTn>
+                                        <p:tgtEl>
+                                          <p:spTgt spid="3"/>
+                                        </p:tgtEl>
+                                        <p:attrNameLst>
+                                          <p:attrName>style.visibility</p:attrName>
+                                        </p:attrNameLst>
+                                      </p:cBhvr>
+                                      <p:to>
+                                        <p:strVal val="visible"/>
+                                      </p:to>
+                                    </p:set>
+                                  </p:childTnLst>
+                                </p:cTn>
+                              </p:par>
+                            </p:childTnLst>
+                          </p:cTn>
+                        </p:par>
+                      </p:childTnLst>
+                    </p:cTn>
+                  </p:par>
+                </p:childTnLst>
+              </p:cTn>
+              <p:prevCondLst>
+                <p:cond evt="onPrev" delay="0">
+                  <p:tgtEl>
+                    <p:sldTgt/>
+                  </p:tgtEl>
+                </p:cond>
+              </p:prevCondLst>
+              <p:nextCondLst>
+                <p:cond evt="onNext" delay="0">
+                  <p:tgtEl>
+                    <p:sldTgt/>
+                  </p:tgtEl>
+                </p:cond>
+              </p:nextCondLst>
+            </p:seq>
+          </p:childTnLst>
+        </p:cTn>
+      </p:par>
+    </p:tnLst>
+  </p:timing>
+</p:sld>
+</file>
+
+<file path=ppt/slides/slide12.xml><?xml version="1.0" encoding="utf-8"?>
+<p:sld xmlns:a="http://schemas.openxmlformats.org/drawingml/2006/main" xmlns:r="http://schemas.openxmlformats.org/officeDocument/2006/relationships" xmlns:p="http://schemas.openxmlformats.org/presentationml/2006/main">
+  <p:cSld>
+    <p:spTree>
+      <p:nvGrpSpPr>
+        <p:cNvPr id="1" name=""/>
+        <p:cNvGrpSpPr/>
+        <p:nvPr/>
+      </p:nvGrpSpPr>
+      <p:grpSpPr>
+        <a:xfrm>
+          <a:off x="0" y="0"/>
+          <a:ext cx="0" cy="0"/>
+          <a:chOff x="0" y="0"/>
+          <a:chExt cx="0" cy="0"/>
+        </a:xfrm>
+      </p:grpSpPr>
+      <p:pic>
+        <p:nvPicPr>
+          <p:cNvPr id="5122" name="Picture 2" descr="Resultado de imagen de demo time meme"/>
+          <p:cNvPicPr>
+            <a:picLocks noChangeAspect="1" noChangeArrowheads="1"/>
+          </p:cNvPicPr>
+          <p:nvPr/>
+        </p:nvPicPr>
+        <p:blipFill>
+          <a:blip r:embed="rId3">
+            <a:extLst>
+              <a:ext uri="{28A0092B-C50C-407E-A947-70E740481C1C}">
+                <a14:useLocalDpi xmlns:a14="http://schemas.microsoft.com/office/drawing/2010/main" val="0"/>
+              </a:ext>
+            </a:extLst>
+          </a:blip>
+          <a:srcRect/>
+          <a:stretch>
+            <a:fillRect/>
+          </a:stretch>
+        </p:blipFill>
+        <p:spPr bwMode="auto">
+          <a:xfrm>
+            <a:off x="3417903" y="769396"/>
+            <a:ext cx="5409462" cy="5409462"/>
+          </a:xfrm>
+          <a:prstGeom prst="rect">
+            <a:avLst/>
+          </a:prstGeom>
+          <a:noFill/>
+          <a:extLst>
+            <a:ext uri="{909E8E84-426E-40DD-AFC4-6F175D3DCCD1}">
+              <a14:hiddenFill xmlns:a14="http://schemas.microsoft.com/office/drawing/2010/main">
+                <a:solidFill>
+                  <a:srgbClr val="FFFFFF"/>
+                </a:solidFill>
+              </a14:hiddenFill>
+            </a:ext>
+          </a:extLst>
+        </p:spPr>
+      </p:pic>
+      <p:pic>
+        <p:nvPicPr>
+          <p:cNvPr id="3" name="Imagen 2"/>
+          <p:cNvPicPr>
+            <a:picLocks noChangeAspect="1"/>
+          </p:cNvPicPr>
+          <p:nvPr/>
+        </p:nvPicPr>
+        <p:blipFill>
+          <a:blip r:embed="rId4" cstate="print">
+            <a:extLst>
+              <a:ext uri="{28A0092B-C50C-407E-A947-70E740481C1C}">
+                <a14:useLocalDpi xmlns:a14="http://schemas.microsoft.com/office/drawing/2010/main" val="0"/>
+              </a:ext>
+            </a:extLst>
+          </a:blip>
+          <a:stretch>
+            <a:fillRect/>
+          </a:stretch>
+        </p:blipFill>
+        <p:spPr>
+          <a:xfrm>
+            <a:off x="223024" y="5876429"/>
+            <a:ext cx="892362" cy="892362"/>
+          </a:xfrm>
+          <a:prstGeom prst="rect">
+            <a:avLst/>
+          </a:prstGeom>
+        </p:spPr>
+      </p:pic>
+    </p:spTree>
+    <p:extLst>
+      <p:ext uri="{BB962C8B-B14F-4D97-AF65-F5344CB8AC3E}">
+        <p14:creationId xmlns:p14="http://schemas.microsoft.com/office/powerpoint/2010/main" val="1971835219"/>
+      </p:ext>
+    </p:extLst>
+  </p:cSld>
+  <p:clrMapOvr>
+    <a:masterClrMapping/>
+  </p:clrMapOvr>
+</p:sld>
+</file>
+
+<file path=ppt/slides/slide13.xml><?xml version="1.0" encoding="utf-8"?>
+<p:sld xmlns:a="http://schemas.openxmlformats.org/drawingml/2006/main" xmlns:r="http://schemas.openxmlformats.org/officeDocument/2006/relationships" xmlns:p="http://schemas.openxmlformats.org/presentationml/2006/main">
+  <p:cSld>
+    <p:spTree>
+      <p:nvGrpSpPr>
+        <p:cNvPr id="1" name=""/>
+        <p:cNvGrpSpPr/>
+        <p:nvPr/>
+      </p:nvGrpSpPr>
+      <p:grpSpPr>
+        <a:xfrm>
+          <a:off x="0" y="0"/>
+          <a:ext cx="0" cy="0"/>
+          <a:chOff x="0" y="0"/>
+          <a:chExt cx="0" cy="0"/>
+        </a:xfrm>
+      </p:grpSpPr>
+      <p:pic>
+        <p:nvPicPr>
+          <p:cNvPr id="6146" name="Picture 2" descr="Resultado de imagen de questions futurama"/>
+          <p:cNvPicPr>
+            <a:picLocks noChangeAspect="1" noChangeArrowheads="1"/>
           </p:cNvPicPr>
           <p:nvPr/>
         </p:nvPicPr>
@@ -3044,18 +4213,29 @@
               </a:ext>
             </a:extLst>
           </a:blip>
+          <a:srcRect/>
           <a:stretch>
             <a:fillRect/>
           </a:stretch>
         </p:blipFill>
-        <p:spPr>
-          <a:xfrm>
-            <a:off x="8430096" y="2254804"/>
-            <a:ext cx="2000250" cy="2000250"/>
+        <p:spPr bwMode="auto">
+          <a:xfrm>
+            <a:off x="3142695" y="1316116"/>
+            <a:ext cx="6098034" cy="4573526"/>
           </a:xfrm>
           <a:prstGeom prst="rect">
             <a:avLst/>
           </a:prstGeom>
+          <a:noFill/>
+          <a:extLst>
+            <a:ext uri="{909E8E84-426E-40DD-AFC4-6F175D3DCCD1}">
+              <a14:hiddenFill xmlns:a14="http://schemas.microsoft.com/office/drawing/2010/main">
+                <a:solidFill>
+                  <a:srgbClr val="FFFFFF"/>
+                </a:solidFill>
+              </a14:hiddenFill>
+            </a:ext>
+          </a:extLst>
         </p:spPr>
       </p:pic>
       <p:pic>
@@ -3091,20 +4271,114 @@
     </p:spTree>
     <p:extLst>
       <p:ext uri="{BB962C8B-B14F-4D97-AF65-F5344CB8AC3E}">
-        <p14:creationId xmlns:p14="http://schemas.microsoft.com/office/powerpoint/2010/main" val="1059414219"/>
+        <p14:creationId xmlns:p14="http://schemas.microsoft.com/office/powerpoint/2010/main" val="2540644304"/>
       </p:ext>
     </p:extLst>
   </p:cSld>
   <p:clrMapOvr>
     <a:masterClrMapping/>
   </p:clrMapOvr>
-  <p:timing>
-    <p:tnLst>
-      <p:par>
-        <p:cTn id="1" dur="indefinite" restart="never" nodeType="tmRoot"/>
-      </p:par>
-    </p:tnLst>
-  </p:timing>
+</p:sld>
+</file>
+
+<file path=ppt/slides/slide14.xml><?xml version="1.0" encoding="utf-8"?>
+<p:sld xmlns:a="http://schemas.openxmlformats.org/drawingml/2006/main" xmlns:r="http://schemas.openxmlformats.org/officeDocument/2006/relationships" xmlns:p="http://schemas.openxmlformats.org/presentationml/2006/main">
+  <p:cSld>
+    <p:spTree>
+      <p:nvGrpSpPr>
+        <p:cNvPr id="1" name=""/>
+        <p:cNvGrpSpPr/>
+        <p:nvPr/>
+      </p:nvGrpSpPr>
+      <p:grpSpPr>
+        <a:xfrm>
+          <a:off x="0" y="0"/>
+          <a:ext cx="0" cy="0"/>
+          <a:chOff x="0" y="0"/>
+          <a:chExt cx="0" cy="0"/>
+        </a:xfrm>
+      </p:grpSpPr>
+      <p:pic>
+        <p:nvPicPr>
+          <p:cNvPr id="7170" name="Picture 2" descr="Resultado de imagen de futurama bender applause"/>
+          <p:cNvPicPr>
+            <a:picLocks noChangeAspect="1" noChangeArrowheads="1"/>
+          </p:cNvPicPr>
+          <p:nvPr/>
+        </p:nvPicPr>
+        <p:blipFill>
+          <a:blip r:embed="rId2">
+            <a:extLst>
+              <a:ext uri="{28A0092B-C50C-407E-A947-70E740481C1C}">
+                <a14:useLocalDpi xmlns:a14="http://schemas.microsoft.com/office/drawing/2010/main" val="0"/>
+              </a:ext>
+            </a:extLst>
+          </a:blip>
+          <a:srcRect/>
+          <a:stretch>
+            <a:fillRect/>
+          </a:stretch>
+        </p:blipFill>
+        <p:spPr bwMode="auto">
+          <a:xfrm>
+            <a:off x="3506680" y="811250"/>
+            <a:ext cx="5148678" cy="5332559"/>
+          </a:xfrm>
+          <a:prstGeom prst="rect">
+            <a:avLst/>
+          </a:prstGeom>
+          <a:noFill/>
+          <a:extLst>
+            <a:ext uri="{909E8E84-426E-40DD-AFC4-6F175D3DCCD1}">
+              <a14:hiddenFill xmlns:a14="http://schemas.microsoft.com/office/drawing/2010/main">
+                <a:solidFill>
+                  <a:srgbClr val="FFFFFF"/>
+                </a:solidFill>
+              </a14:hiddenFill>
+            </a:ext>
+          </a:extLst>
+        </p:spPr>
+      </p:pic>
+      <p:pic>
+        <p:nvPicPr>
+          <p:cNvPr id="3" name="Imagen 2"/>
+          <p:cNvPicPr>
+            <a:picLocks noChangeAspect="1"/>
+          </p:cNvPicPr>
+          <p:nvPr/>
+        </p:nvPicPr>
+        <p:blipFill>
+          <a:blip r:embed="rId3" cstate="print">
+            <a:extLst>
+              <a:ext uri="{28A0092B-C50C-407E-A947-70E740481C1C}">
+                <a14:useLocalDpi xmlns:a14="http://schemas.microsoft.com/office/drawing/2010/main" val="0"/>
+              </a:ext>
+            </a:extLst>
+          </a:blip>
+          <a:stretch>
+            <a:fillRect/>
+          </a:stretch>
+        </p:blipFill>
+        <p:spPr>
+          <a:xfrm>
+            <a:off x="223024" y="5876429"/>
+            <a:ext cx="892362" cy="892362"/>
+          </a:xfrm>
+          <a:prstGeom prst="rect">
+            <a:avLst/>
+          </a:prstGeom>
+        </p:spPr>
+      </p:pic>
+    </p:spTree>
+    <p:extLst>
+      <p:ext uri="{BB962C8B-B14F-4D97-AF65-F5344CB8AC3E}">
+        <p14:creationId xmlns:p14="http://schemas.microsoft.com/office/powerpoint/2010/main" val="456439006"/>
+      </p:ext>
+    </p:extLst>
+  </p:cSld>
+  <p:clrMapOvr>
+    <a:masterClrMapping/>
+  </p:clrMapOvr>
 </p:sld>
 </file>
 
@@ -3161,123 +4435,118 @@
           <a:p>
             <a:pPr algn="ctr"/>
             <a:r>
-              <a:rPr lang="en-US" sz="3200" b="1" dirty="0" smtClean="0"/>
+              <a:rPr lang="en-US" sz="3200" b="1" dirty="0"/>
               <a:t>David Acacio </a:t>
             </a:r>
             <a:r>
-              <a:rPr lang="en-US" sz="3200" b="1" dirty="0" err="1" smtClean="0"/>
+              <a:rPr lang="en-US" sz="3200" b="1" dirty="0" err="1"/>
               <a:t>Albareda</a:t>
             </a:r>
-            <a:endParaRPr lang="en-US" sz="3200" b="1" dirty="0" smtClean="0"/>
+            <a:endParaRPr lang="en-US" sz="3200" b="1" dirty="0"/>
           </a:p>
           <a:p>
             <a:pPr algn="ctr"/>
-            <a:endParaRPr lang="en-US" sz="1400" b="1" dirty="0" smtClean="0"/>
+            <a:endParaRPr lang="en-US" sz="1400" b="1" dirty="0"/>
           </a:p>
           <a:p>
             <a:pPr algn="ctr"/>
             <a:r>
-              <a:rPr lang="en-US" sz="2000" dirty="0" smtClean="0"/>
+              <a:rPr lang="en-US" sz="2000" dirty="0"/>
               <a:t>Father, IT manager with a </a:t>
             </a:r>
             <a:r>
-              <a:rPr lang="en-US" sz="2000" dirty="0" err="1" smtClean="0"/>
+              <a:rPr lang="en-US" sz="2000" dirty="0" err="1"/>
               <a:t>sysadmin</a:t>
             </a:r>
             <a:r>
-              <a:rPr lang="en-US" sz="2000" dirty="0" smtClean="0"/>
+              <a:rPr lang="en-US" sz="2000" dirty="0"/>
               <a:t> heart, geek, lover of Agile methodology and DevOps philosophy. I also write and do podcast in </a:t>
             </a:r>
             <a:r>
-              <a:rPr lang="en-US" sz="2000" dirty="0" smtClean="0">
+              <a:rPr lang="en-US" sz="2000" dirty="0">
                 <a:hlinkClick r:id="rId2" tooltip="Entre Dev y Ops"/>
               </a:rPr>
               <a:t>Entre Dev y Ops</a:t>
             </a:r>
             <a:r>
-              <a:rPr lang="en-US" sz="2000" dirty="0" smtClean="0"/>
+              <a:rPr lang="en-US" sz="2000" dirty="0"/>
               <a:t>. </a:t>
             </a:r>
             <a:br>
-              <a:rPr lang="en-US" sz="2000" dirty="0" smtClean="0"/>
+              <a:rPr lang="en-US" sz="2000" dirty="0"/>
             </a:br>
-            <a:r>
-              <a:rPr lang="en-US" sz="2000" dirty="0" smtClean="0"/>
-              <a:t/>
-            </a:r>
             <a:br>
-              <a:rPr lang="en-US" sz="2000" dirty="0" smtClean="0"/>
+              <a:rPr lang="en-US" sz="2000" dirty="0"/>
             </a:br>
             <a:r>
-              <a:rPr lang="en-US" sz="2000" dirty="0" smtClean="0"/>
+              <a:rPr lang="en-US" sz="2000" dirty="0"/>
               <a:t>Currently working as a Service Delivery Manager at </a:t>
             </a:r>
             <a:r>
-              <a:rPr lang="en-US" sz="2000" dirty="0" err="1" smtClean="0">
+              <a:rPr lang="en-US" sz="2000" dirty="0" err="1">
                 <a:hlinkClick r:id="rId3" action="ppaction://hlinkfile"/>
               </a:rPr>
               <a:t>CAPSiDE</a:t>
             </a:r>
             <a:r>
-              <a:rPr lang="en-US" sz="2000" dirty="0" smtClean="0"/>
+              <a:rPr lang="en-US" sz="2000" dirty="0"/>
               <a:t>.</a:t>
             </a:r>
           </a:p>
           <a:p>
             <a:pPr algn="ctr"/>
-            <a:endParaRPr lang="en-US" sz="2000" dirty="0" smtClean="0"/>
+            <a:endParaRPr lang="en-US" sz="2000" dirty="0"/>
           </a:p>
           <a:p>
             <a:pPr algn="ctr"/>
             <a:r>
-              <a:rPr lang="en-US" sz="2000" dirty="0" smtClean="0">
+              <a:rPr lang="en-US" sz="2000" dirty="0">
                 <a:hlinkClick r:id="rId4"/>
               </a:rPr>
               <a:t>@</a:t>
             </a:r>
             <a:r>
-              <a:rPr lang="en-US" sz="2000" dirty="0" err="1" smtClean="0">
+              <a:rPr lang="en-US" sz="2000" dirty="0" err="1">
                 <a:hlinkClick r:id="rId4"/>
               </a:rPr>
               <a:t>david_acacio</a:t>
             </a:r>
             <a:r>
-              <a:rPr lang="en-US" sz="2000" dirty="0" smtClean="0">
+              <a:rPr lang="en-US" sz="2000" dirty="0">
                 <a:hlinkClick r:id="rId4"/>
               </a:rPr>
               <a:t> </a:t>
             </a:r>
             <a:r>
-              <a:rPr lang="en-US" sz="2000" dirty="0" smtClean="0"/>
+              <a:rPr lang="en-US" sz="2000" dirty="0"/>
               <a:t>– </a:t>
             </a:r>
             <a:r>
-              <a:rPr lang="en-US" sz="2000" dirty="0" smtClean="0">
+              <a:rPr lang="en-US" sz="2000" dirty="0">
                 <a:hlinkClick r:id="rId5"/>
               </a:rPr>
               <a:t>david@acacio.cat</a:t>
             </a:r>
             <a:r>
-              <a:rPr lang="en-US" sz="2000" dirty="0" smtClean="0"/>
+              <a:rPr lang="en-US" sz="2000" dirty="0"/>
               <a:t> – </a:t>
             </a:r>
             <a:r>
-              <a:rPr lang="en-US" sz="2000" dirty="0" smtClean="0">
+              <a:rPr lang="en-US" sz="2000" dirty="0">
                 <a:hlinkClick r:id="rId6"/>
               </a:rPr>
               <a:t>github.com/</a:t>
             </a:r>
             <a:r>
-              <a:rPr lang="en-US" sz="2000" dirty="0" err="1" smtClean="0">
+              <a:rPr lang="en-US" sz="2000" dirty="0" err="1">
                 <a:hlinkClick r:id="rId6"/>
               </a:rPr>
               <a:t>dacacioa</a:t>
             </a:r>
             <a:r>
-              <a:rPr lang="en-US" sz="2000" dirty="0" smtClean="0"/>
+              <a:rPr lang="en-US" sz="2000" dirty="0"/>
               <a:t> </a:t>
             </a:r>
-            <a:endParaRPr lang="en-US" sz="2000" dirty="0"/>
           </a:p>
         </p:txBody>
       </p:sp>
@@ -3381,13 +4650,6 @@
   <p:clrMapOvr>
     <a:masterClrMapping/>
   </p:clrMapOvr>
-  <p:timing>
-    <p:tnLst>
-      <p:par>
-        <p:cTn id="1" dur="indefinite" restart="never" nodeType="tmRoot"/>
-      </p:par>
-    </p:tnLst>
-  </p:timing>
 </p:sld>
 </file>
 
@@ -3575,7 +4837,7 @@
           <a:lstStyle/>
           <a:p>
             <a:r>
-              <a:rPr lang="es-ES" dirty="0" smtClean="0">
+              <a:rPr lang="es-ES" dirty="0">
                 <a:hlinkClick r:id="rId4"/>
               </a:rPr>
               <a:t>www.entredevyops.es</a:t>
@@ -3594,13 +4856,6 @@
   <p:clrMapOvr>
     <a:masterClrMapping/>
   </p:clrMapOvr>
-  <p:timing>
-    <p:tnLst>
-      <p:par>
-        <p:cTn id="1" dur="indefinite" restart="never" nodeType="tmRoot"/>
-      </p:par>
-    </p:tnLst>
-  </p:timing>
 </p:sld>
 </file>
 
@@ -3674,16 +4929,8 @@
           <a:lstStyle/>
           <a:p>
             <a:r>
-              <a:rPr lang="en-US" sz="3200" dirty="0" smtClean="0"/>
-              <a:t>Never </a:t>
-            </a:r>
-            <a:r>
               <a:rPr lang="en-US" sz="3200" dirty="0"/>
-              <a:t>accept challenges drinking </a:t>
-            </a:r>
-            <a:r>
-              <a:rPr lang="en-US" sz="3200" dirty="0" smtClean="0"/>
-              <a:t>beer!!!</a:t>
+              <a:t>Never accept challenges drinking beer!!!</a:t>
             </a:r>
             <a:endParaRPr lang="es-ES" sz="3200" dirty="0"/>
           </a:p>
@@ -3729,13 +4976,6 @@
   <p:clrMapOvr>
     <a:masterClrMapping/>
   </p:clrMapOvr>
-  <p:timing>
-    <p:tnLst>
-      <p:par>
-        <p:cTn id="1" dur="indefinite" restart="never" nodeType="tmRoot"/>
-      </p:par>
-    </p:tnLst>
-  </p:timing>
 </p:sld>
 </file>
 
@@ -3811,11 +5051,7 @@
             <a:pPr algn="ctr" fontAlgn="base"/>
             <a:r>
               <a:rPr lang="en-US" sz="4400" b="1" cap="all" dirty="0"/>
-              <a:t>PROCESS TO EDIT </a:t>
-            </a:r>
-            <a:r>
-              <a:rPr lang="en-US" sz="4400" b="1" cap="all" dirty="0" smtClean="0"/>
-              <a:t>PODCAST</a:t>
+              <a:t>PROCESS TO EDIT PODCAST</a:t>
             </a:r>
           </a:p>
           <a:p>
@@ -3858,12 +5094,8 @@
               <a:buChar char="•"/>
             </a:pPr>
             <a:r>
-              <a:rPr lang="en-US" sz="3200" dirty="0" smtClean="0"/>
-              <a:t>Normalize </a:t>
-            </a:r>
-            <a:r>
               <a:rPr lang="en-US" sz="3200" dirty="0"/>
-              <a:t>audio</a:t>
+              <a:t>Normalize audio</a:t>
             </a:r>
           </a:p>
           <a:p>
@@ -3893,13 +5125,8 @@
             </a:pPr>
             <a:r>
               <a:rPr lang="en-US" sz="3200" dirty="0"/>
-              <a:t>Transform to </a:t>
-            </a:r>
-            <a:r>
-              <a:rPr lang="en-US" sz="3200" dirty="0" smtClean="0"/>
-              <a:t>mp3</a:t>
-            </a:r>
-            <a:endParaRPr lang="en-US" sz="3200" dirty="0"/>
+              <a:t>Transform to mp3</a:t>
+            </a:r>
           </a:p>
         </p:txBody>
       </p:sp>
@@ -4082,7 +5309,7 @@
           <a:p>
             <a:pPr algn="ctr" fontAlgn="base"/>
             <a:r>
-              <a:rPr lang="en-US" sz="4400" b="1" cap="all" dirty="0" smtClean="0"/>
+              <a:rPr lang="en-US" sz="4400" b="1" cap="all" dirty="0"/>
               <a:t>REQUIRENMENTS</a:t>
             </a:r>
           </a:p>
@@ -4117,13 +5344,8 @@
             </a:pPr>
             <a:r>
               <a:rPr lang="en-US" sz="3200" dirty="0"/>
-              <a:t>Minimum software </a:t>
-            </a:r>
-            <a:r>
-              <a:rPr lang="en-US" sz="3200" dirty="0" smtClean="0"/>
-              <a:t>requirements</a:t>
-            </a:r>
-            <a:endParaRPr lang="en-US" sz="3200" dirty="0"/>
+              <a:t>Minimum software requirements</a:t>
+            </a:r>
           </a:p>
           <a:p>
             <a:endParaRPr lang="es-ES" dirty="0"/>
@@ -4170,10 +5392,1102 @@
   <p:clrMapOvr>
     <a:masterClrMapping/>
   </p:clrMapOvr>
+</p:sld>
+</file>
+
+<file path=ppt/slides/slide8.xml><?xml version="1.0" encoding="utf-8"?>
+<p:sld xmlns:a="http://schemas.openxmlformats.org/drawingml/2006/main" xmlns:r="http://schemas.openxmlformats.org/officeDocument/2006/relationships" xmlns:p="http://schemas.openxmlformats.org/presentationml/2006/main">
+  <p:cSld>
+    <p:spTree>
+      <p:nvGrpSpPr>
+        <p:cNvPr id="1" name=""/>
+        <p:cNvGrpSpPr/>
+        <p:nvPr/>
+      </p:nvGrpSpPr>
+      <p:grpSpPr>
+        <a:xfrm>
+          <a:off x="0" y="0"/>
+          <a:ext cx="0" cy="0"/>
+          <a:chOff x="0" y="0"/>
+          <a:chExt cx="0" cy="0"/>
+        </a:xfrm>
+      </p:grpSpPr>
+      <p:pic>
+        <p:nvPicPr>
+          <p:cNvPr id="2" name="Imagen 1"/>
+          <p:cNvPicPr>
+            <a:picLocks noChangeAspect="1"/>
+          </p:cNvPicPr>
+          <p:nvPr/>
+        </p:nvPicPr>
+        <p:blipFill>
+          <a:blip r:embed="rId3" cstate="print">
+            <a:extLst>
+              <a:ext uri="{28A0092B-C50C-407E-A947-70E740481C1C}">
+                <a14:useLocalDpi xmlns:a14="http://schemas.microsoft.com/office/drawing/2010/main" val="0"/>
+              </a:ext>
+            </a:extLst>
+          </a:blip>
+          <a:stretch>
+            <a:fillRect/>
+          </a:stretch>
+        </p:blipFill>
+        <p:spPr>
+          <a:xfrm>
+            <a:off x="223024" y="5876429"/>
+            <a:ext cx="892362" cy="892362"/>
+          </a:xfrm>
+          <a:prstGeom prst="rect">
+            <a:avLst/>
+          </a:prstGeom>
+        </p:spPr>
+      </p:pic>
+      <p:pic>
+        <p:nvPicPr>
+          <p:cNvPr id="1026" name="Picture 2" descr="Resultado de imagen de python icon"/>
+          <p:cNvPicPr>
+            <a:picLocks noChangeAspect="1" noChangeArrowheads="1"/>
+          </p:cNvPicPr>
+          <p:nvPr/>
+        </p:nvPicPr>
+        <p:blipFill>
+          <a:blip r:embed="rId4" cstate="print">
+            <a:extLst>
+              <a:ext uri="{28A0092B-C50C-407E-A947-70E740481C1C}">
+                <a14:useLocalDpi xmlns:a14="http://schemas.microsoft.com/office/drawing/2010/main" val="0"/>
+              </a:ext>
+            </a:extLst>
+          </a:blip>
+          <a:srcRect/>
+          <a:stretch>
+            <a:fillRect/>
+          </a:stretch>
+        </p:blipFill>
+        <p:spPr bwMode="auto">
+          <a:xfrm>
+            <a:off x="4930805" y="239696"/>
+            <a:ext cx="1850994" cy="1850994"/>
+          </a:xfrm>
+          <a:prstGeom prst="rect">
+            <a:avLst/>
+          </a:prstGeom>
+          <a:noFill/>
+          <a:extLst>
+            <a:ext uri="{909E8E84-426E-40DD-AFC4-6F175D3DCCD1}">
+              <a14:hiddenFill xmlns:a14="http://schemas.microsoft.com/office/drawing/2010/main">
+                <a:solidFill>
+                  <a:srgbClr val="FFFFFF"/>
+                </a:solidFill>
+              </a14:hiddenFill>
+            </a:ext>
+          </a:extLst>
+        </p:spPr>
+      </p:pic>
+      <p:sp>
+        <p:nvSpPr>
+          <p:cNvPr id="3" name="Signo más 2"/>
+          <p:cNvSpPr/>
+          <p:nvPr/>
+        </p:nvSpPr>
+        <p:spPr>
+          <a:xfrm>
+            <a:off x="5474562" y="2396970"/>
+            <a:ext cx="763480" cy="727969"/>
+          </a:xfrm>
+          <a:prstGeom prst="mathPlus">
+            <a:avLst/>
+          </a:prstGeom>
+        </p:spPr>
+        <p:style>
+          <a:lnRef idx="2">
+            <a:schemeClr val="dk1">
+              <a:shade val="50000"/>
+            </a:schemeClr>
+          </a:lnRef>
+          <a:fillRef idx="1">
+            <a:schemeClr val="dk1"/>
+          </a:fillRef>
+          <a:effectRef idx="0">
+            <a:schemeClr val="dk1"/>
+          </a:effectRef>
+          <a:fontRef idx="minor">
+            <a:schemeClr val="lt1"/>
+          </a:fontRef>
+        </p:style>
+        <p:txBody>
+          <a:bodyPr rtlCol="0" anchor="ctr"/>
+          <a:lstStyle/>
+          <a:p>
+            <a:pPr algn="ctr"/>
+            <a:endParaRPr lang="es-ES"/>
+          </a:p>
+        </p:txBody>
+      </p:sp>
+      <p:pic>
+        <p:nvPicPr>
+          <p:cNvPr id="4" name="Imagen 3"/>
+          <p:cNvPicPr>
+            <a:picLocks noChangeAspect="1"/>
+          </p:cNvPicPr>
+          <p:nvPr/>
+        </p:nvPicPr>
+        <p:blipFill>
+          <a:blip r:embed="rId5"/>
+          <a:stretch>
+            <a:fillRect/>
+          </a:stretch>
+        </p:blipFill>
+        <p:spPr>
+          <a:xfrm>
+            <a:off x="4649409" y="3431219"/>
+            <a:ext cx="2413786" cy="2871926"/>
+          </a:xfrm>
+          <a:prstGeom prst="rect">
+            <a:avLst/>
+          </a:prstGeom>
+        </p:spPr>
+      </p:pic>
+      <p:sp>
+        <p:nvSpPr>
+          <p:cNvPr id="5" name="CuadroTexto 4"/>
+          <p:cNvSpPr txBox="1"/>
+          <p:nvPr/>
+        </p:nvSpPr>
+        <p:spPr>
+          <a:xfrm>
+            <a:off x="3206730" y="6471829"/>
+            <a:ext cx="5299143" cy="369332"/>
+          </a:xfrm>
+          <a:prstGeom prst="rect">
+            <a:avLst/>
+          </a:prstGeom>
+          <a:noFill/>
+        </p:spPr>
+        <p:txBody>
+          <a:bodyPr wrap="none" rtlCol="0">
+            <a:spAutoFit/>
+          </a:bodyPr>
+          <a:lstStyle/>
+          <a:p>
+            <a:r>
+              <a:rPr lang="es-ES" dirty="0">
+                <a:hlinkClick r:id="rId6"/>
+              </a:rPr>
+              <a:t>http://pydub.com/</a:t>
+            </a:r>
+            <a:r>
+              <a:rPr lang="es-ES" dirty="0"/>
+              <a:t> - </a:t>
+            </a:r>
+            <a:r>
+              <a:rPr lang="es-ES" dirty="0">
+                <a:hlinkClick r:id="rId7"/>
+              </a:rPr>
+              <a:t>https://github.com/jiaaro/pydub/</a:t>
+            </a:r>
+            <a:endParaRPr lang="es-ES" dirty="0"/>
+          </a:p>
+        </p:txBody>
+      </p:sp>
+    </p:spTree>
+    <p:extLst>
+      <p:ext uri="{BB962C8B-B14F-4D97-AF65-F5344CB8AC3E}">
+        <p14:creationId xmlns:p14="http://schemas.microsoft.com/office/powerpoint/2010/main" val="3462595310"/>
+      </p:ext>
+    </p:extLst>
+  </p:cSld>
+  <p:clrMapOvr>
+    <a:masterClrMapping/>
+  </p:clrMapOvr>
   <p:timing>
     <p:tnLst>
       <p:par>
-        <p:cTn id="1" dur="indefinite" restart="never" nodeType="tmRoot"/>
+        <p:cTn id="1" dur="indefinite" restart="never" nodeType="tmRoot">
+          <p:childTnLst>
+            <p:seq concurrent="1" nextAc="seek">
+              <p:cTn id="2" dur="indefinite" nodeType="mainSeq">
+                <p:childTnLst>
+                  <p:par>
+                    <p:cTn id="3" fill="hold">
+                      <p:stCondLst>
+                        <p:cond delay="indefinite"/>
+                      </p:stCondLst>
+                      <p:childTnLst>
+                        <p:par>
+                          <p:cTn id="4" fill="hold">
+                            <p:stCondLst>
+                              <p:cond delay="0"/>
+                            </p:stCondLst>
+                            <p:childTnLst>
+                              <p:par>
+                                <p:cTn id="5" presetID="1" presetClass="entr" presetSubtype="0" fill="hold" grpId="0" nodeType="clickEffect">
+                                  <p:stCondLst>
+                                    <p:cond delay="0"/>
+                                  </p:stCondLst>
+                                  <p:childTnLst>
+                                    <p:set>
+                                      <p:cBhvr>
+                                        <p:cTn id="6" dur="1" fill="hold">
+                                          <p:stCondLst>
+                                            <p:cond delay="0"/>
+                                          </p:stCondLst>
+                                        </p:cTn>
+                                        <p:tgtEl>
+                                          <p:spTgt spid="3"/>
+                                        </p:tgtEl>
+                                        <p:attrNameLst>
+                                          <p:attrName>style.visibility</p:attrName>
+                                        </p:attrNameLst>
+                                      </p:cBhvr>
+                                      <p:to>
+                                        <p:strVal val="visible"/>
+                                      </p:to>
+                                    </p:set>
+                                  </p:childTnLst>
+                                </p:cTn>
+                              </p:par>
+                              <p:par>
+                                <p:cTn id="7" presetID="1" presetClass="entr" presetSubtype="0" fill="hold" nodeType="withEffect">
+                                  <p:stCondLst>
+                                    <p:cond delay="0"/>
+                                  </p:stCondLst>
+                                  <p:childTnLst>
+                                    <p:set>
+                                      <p:cBhvr>
+                                        <p:cTn id="8" dur="1" fill="hold">
+                                          <p:stCondLst>
+                                            <p:cond delay="0"/>
+                                          </p:stCondLst>
+                                        </p:cTn>
+                                        <p:tgtEl>
+                                          <p:spTgt spid="4"/>
+                                        </p:tgtEl>
+                                        <p:attrNameLst>
+                                          <p:attrName>style.visibility</p:attrName>
+                                        </p:attrNameLst>
+                                      </p:cBhvr>
+                                      <p:to>
+                                        <p:strVal val="visible"/>
+                                      </p:to>
+                                    </p:set>
+                                  </p:childTnLst>
+                                </p:cTn>
+                              </p:par>
+                              <p:par>
+                                <p:cTn id="9" presetID="1" presetClass="entr" presetSubtype="0" fill="hold" grpId="0" nodeType="withEffect">
+                                  <p:stCondLst>
+                                    <p:cond delay="0"/>
+                                  </p:stCondLst>
+                                  <p:childTnLst>
+                                    <p:set>
+                                      <p:cBhvr>
+                                        <p:cTn id="10" dur="1" fill="hold">
+                                          <p:stCondLst>
+                                            <p:cond delay="0"/>
+                                          </p:stCondLst>
+                                        </p:cTn>
+                                        <p:tgtEl>
+                                          <p:spTgt spid="5"/>
+                                        </p:tgtEl>
+                                        <p:attrNameLst>
+                                          <p:attrName>style.visibility</p:attrName>
+                                        </p:attrNameLst>
+                                      </p:cBhvr>
+                                      <p:to>
+                                        <p:strVal val="visible"/>
+                                      </p:to>
+                                    </p:set>
+                                  </p:childTnLst>
+                                </p:cTn>
+                              </p:par>
+                            </p:childTnLst>
+                          </p:cTn>
+                        </p:par>
+                      </p:childTnLst>
+                    </p:cTn>
+                  </p:par>
+                </p:childTnLst>
+              </p:cTn>
+              <p:prevCondLst>
+                <p:cond evt="onPrev" delay="0">
+                  <p:tgtEl>
+                    <p:sldTgt/>
+                  </p:tgtEl>
+                </p:cond>
+              </p:prevCondLst>
+              <p:nextCondLst>
+                <p:cond evt="onNext" delay="0">
+                  <p:tgtEl>
+                    <p:sldTgt/>
+                  </p:tgtEl>
+                </p:cond>
+              </p:nextCondLst>
+            </p:seq>
+          </p:childTnLst>
+        </p:cTn>
+      </p:par>
+    </p:tnLst>
+    <p:bldLst>
+      <p:bldP spid="3" grpId="0" animBg="1"/>
+      <p:bldP spid="5" grpId="0"/>
+    </p:bldLst>
+  </p:timing>
+</p:sld>
+</file>
+
+<file path=ppt/slides/slide9.xml><?xml version="1.0" encoding="utf-8"?>
+<p:sld xmlns:a="http://schemas.openxmlformats.org/drawingml/2006/main" xmlns:r="http://schemas.openxmlformats.org/officeDocument/2006/relationships" xmlns:p="http://schemas.openxmlformats.org/presentationml/2006/main">
+  <p:cSld>
+    <p:spTree>
+      <p:nvGrpSpPr>
+        <p:cNvPr id="1" name=""/>
+        <p:cNvGrpSpPr/>
+        <p:nvPr/>
+      </p:nvGrpSpPr>
+      <p:grpSpPr>
+        <a:xfrm>
+          <a:off x="0" y="0"/>
+          <a:ext cx="0" cy="0"/>
+          <a:chOff x="0" y="0"/>
+          <a:chExt cx="0" cy="0"/>
+        </a:xfrm>
+      </p:grpSpPr>
+      <p:pic>
+        <p:nvPicPr>
+          <p:cNvPr id="2050" name="Picture 2" descr="Resultado de imagen de travisci"/>
+          <p:cNvPicPr>
+            <a:picLocks noChangeAspect="1" noChangeArrowheads="1"/>
+          </p:cNvPicPr>
+          <p:nvPr/>
+        </p:nvPicPr>
+        <p:blipFill>
+          <a:blip r:embed="rId2" cstate="print">
+            <a:extLst>
+              <a:ext uri="{28A0092B-C50C-407E-A947-70E740481C1C}">
+                <a14:useLocalDpi xmlns:a14="http://schemas.microsoft.com/office/drawing/2010/main" val="0"/>
+              </a:ext>
+            </a:extLst>
+          </a:blip>
+          <a:srcRect/>
+          <a:stretch>
+            <a:fillRect/>
+          </a:stretch>
+        </p:blipFill>
+        <p:spPr bwMode="auto">
+          <a:xfrm>
+            <a:off x="8824797" y="2383115"/>
+            <a:ext cx="1175690" cy="1166303"/>
+          </a:xfrm>
+          <a:prstGeom prst="rect">
+            <a:avLst/>
+          </a:prstGeom>
+          <a:noFill/>
+          <a:extLst>
+            <a:ext uri="{909E8E84-426E-40DD-AFC4-6F175D3DCCD1}">
+              <a14:hiddenFill xmlns:a14="http://schemas.microsoft.com/office/drawing/2010/main">
+                <a:solidFill>
+                  <a:srgbClr val="FFFFFF"/>
+                </a:solidFill>
+              </a14:hiddenFill>
+            </a:ext>
+          </a:extLst>
+        </p:spPr>
+      </p:pic>
+      <p:pic>
+        <p:nvPicPr>
+          <p:cNvPr id="3" name="Imagen 2"/>
+          <p:cNvPicPr>
+            <a:picLocks noChangeAspect="1"/>
+          </p:cNvPicPr>
+          <p:nvPr/>
+        </p:nvPicPr>
+        <p:blipFill>
+          <a:blip r:embed="rId3"/>
+          <a:stretch>
+            <a:fillRect/>
+          </a:stretch>
+        </p:blipFill>
+        <p:spPr>
+          <a:xfrm>
+            <a:off x="4814933" y="2189982"/>
+            <a:ext cx="2952750" cy="1552575"/>
+          </a:xfrm>
+          <a:prstGeom prst="rect">
+            <a:avLst/>
+          </a:prstGeom>
+        </p:spPr>
+      </p:pic>
+      <p:pic>
+        <p:nvPicPr>
+          <p:cNvPr id="2054" name="Picture 6" descr="Resultado de imagen de computer"/>
+          <p:cNvPicPr>
+            <a:picLocks noChangeAspect="1" noChangeArrowheads="1"/>
+          </p:cNvPicPr>
+          <p:nvPr/>
+        </p:nvPicPr>
+        <p:blipFill>
+          <a:blip r:embed="rId4">
+            <a:extLst>
+              <a:ext uri="{28A0092B-C50C-407E-A947-70E740481C1C}">
+                <a14:useLocalDpi xmlns:a14="http://schemas.microsoft.com/office/drawing/2010/main" val="0"/>
+              </a:ext>
+            </a:extLst>
+          </a:blip>
+          <a:srcRect/>
+          <a:stretch>
+            <a:fillRect/>
+          </a:stretch>
+        </p:blipFill>
+        <p:spPr bwMode="auto">
+          <a:xfrm>
+            <a:off x="1462018" y="1968524"/>
+            <a:ext cx="1995487" cy="1995487"/>
+          </a:xfrm>
+          <a:prstGeom prst="rect">
+            <a:avLst/>
+          </a:prstGeom>
+          <a:noFill/>
+          <a:extLst>
+            <a:ext uri="{909E8E84-426E-40DD-AFC4-6F175D3DCCD1}">
+              <a14:hiddenFill xmlns:a14="http://schemas.microsoft.com/office/drawing/2010/main">
+                <a:solidFill>
+                  <a:srgbClr val="FFFFFF"/>
+                </a:solidFill>
+              </a14:hiddenFill>
+            </a:ext>
+          </a:extLst>
+        </p:spPr>
+      </p:pic>
+      <p:pic>
+        <p:nvPicPr>
+          <p:cNvPr id="2056" name="Picture 8" descr="Resultado de imagen de git"/>
+          <p:cNvPicPr>
+            <a:picLocks noChangeAspect="1" noChangeArrowheads="1"/>
+          </p:cNvPicPr>
+          <p:nvPr/>
+        </p:nvPicPr>
+        <p:blipFill>
+          <a:blip r:embed="rId5" cstate="print">
+            <a:extLst>
+              <a:ext uri="{28A0092B-C50C-407E-A947-70E740481C1C}">
+                <a14:useLocalDpi xmlns:a14="http://schemas.microsoft.com/office/drawing/2010/main" val="0"/>
+              </a:ext>
+            </a:extLst>
+          </a:blip>
+          <a:srcRect/>
+          <a:stretch>
+            <a:fillRect/>
+          </a:stretch>
+        </p:blipFill>
+        <p:spPr bwMode="auto">
+          <a:xfrm>
+            <a:off x="2400671" y="2476870"/>
+            <a:ext cx="537977" cy="537977"/>
+          </a:xfrm>
+          <a:prstGeom prst="rect">
+            <a:avLst/>
+          </a:prstGeom>
+          <a:noFill/>
+          <a:extLst>
+            <a:ext uri="{909E8E84-426E-40DD-AFC4-6F175D3DCCD1}">
+              <a14:hiddenFill xmlns:a14="http://schemas.microsoft.com/office/drawing/2010/main">
+                <a:solidFill>
+                  <a:srgbClr val="FFFFFF"/>
+                </a:solidFill>
+              </a14:hiddenFill>
+            </a:ext>
+          </a:extLst>
+        </p:spPr>
+      </p:pic>
+      <p:cxnSp>
+        <p:nvCxnSpPr>
+          <p:cNvPr id="5" name="Conector recto de flecha 4"/>
+          <p:cNvCxnSpPr/>
+          <p:nvPr/>
+        </p:nvCxnSpPr>
+        <p:spPr>
+          <a:xfrm>
+            <a:off x="3577702" y="2966267"/>
+            <a:ext cx="1908699" cy="0"/>
+          </a:xfrm>
+          <a:prstGeom prst="straightConnector1">
+            <a:avLst/>
+          </a:prstGeom>
+          <a:ln>
+            <a:tailEnd type="triangle"/>
+          </a:ln>
+        </p:spPr>
+        <p:style>
+          <a:lnRef idx="3">
+            <a:schemeClr val="accent1"/>
+          </a:lnRef>
+          <a:fillRef idx="0">
+            <a:schemeClr val="accent1"/>
+          </a:fillRef>
+          <a:effectRef idx="2">
+            <a:schemeClr val="accent1"/>
+          </a:effectRef>
+          <a:fontRef idx="minor">
+            <a:schemeClr val="tx1"/>
+          </a:fontRef>
+        </p:style>
+      </p:cxnSp>
+      <p:cxnSp>
+        <p:nvCxnSpPr>
+          <p:cNvPr id="7" name="Conector recto de flecha 6"/>
+          <p:cNvCxnSpPr>
+            <a:cxnSpLocks/>
+            <a:stCxn id="2050" idx="1"/>
+          </p:cNvCxnSpPr>
+          <p:nvPr/>
+        </p:nvCxnSpPr>
+        <p:spPr>
+          <a:xfrm flipH="1">
+            <a:off x="7084105" y="2966267"/>
+            <a:ext cx="1740692" cy="0"/>
+          </a:xfrm>
+          <a:prstGeom prst="straightConnector1">
+            <a:avLst/>
+          </a:prstGeom>
+          <a:ln>
+            <a:headEnd type="triangle"/>
+            <a:tailEnd type="triangle"/>
+          </a:ln>
+        </p:spPr>
+        <p:style>
+          <a:lnRef idx="3">
+            <a:schemeClr val="accent1"/>
+          </a:lnRef>
+          <a:fillRef idx="0">
+            <a:schemeClr val="accent1"/>
+          </a:fillRef>
+          <a:effectRef idx="2">
+            <a:schemeClr val="accent1"/>
+          </a:effectRef>
+          <a:fontRef idx="minor">
+            <a:schemeClr val="tx1"/>
+          </a:fontRef>
+        </p:style>
+      </p:cxnSp>
+      <p:pic>
+        <p:nvPicPr>
+          <p:cNvPr id="2058" name="Picture 10" descr="Resultado de imagen de gears"/>
+          <p:cNvPicPr>
+            <a:picLocks noChangeAspect="1" noChangeArrowheads="1"/>
+          </p:cNvPicPr>
+          <p:nvPr/>
+        </p:nvPicPr>
+        <p:blipFill>
+          <a:blip r:embed="rId6" cstate="print">
+            <a:extLst>
+              <a:ext uri="{28A0092B-C50C-407E-A947-70E740481C1C}">
+                <a14:useLocalDpi xmlns:a14="http://schemas.microsoft.com/office/drawing/2010/main" val="0"/>
+              </a:ext>
+            </a:extLst>
+          </a:blip>
+          <a:srcRect/>
+          <a:stretch>
+            <a:fillRect/>
+          </a:stretch>
+        </p:blipFill>
+        <p:spPr bwMode="auto">
+          <a:xfrm>
+            <a:off x="8371976" y="4325703"/>
+            <a:ext cx="2081332" cy="1439046"/>
+          </a:xfrm>
+          <a:prstGeom prst="rect">
+            <a:avLst/>
+          </a:prstGeom>
+          <a:noFill/>
+          <a:extLst>
+            <a:ext uri="{909E8E84-426E-40DD-AFC4-6F175D3DCCD1}">
+              <a14:hiddenFill xmlns:a14="http://schemas.microsoft.com/office/drawing/2010/main">
+                <a:solidFill>
+                  <a:srgbClr val="FFFFFF"/>
+                </a:solidFill>
+              </a14:hiddenFill>
+            </a:ext>
+          </a:extLst>
+        </p:spPr>
+      </p:pic>
+      <p:cxnSp>
+        <p:nvCxnSpPr>
+          <p:cNvPr id="11" name="Conector recto de flecha 10"/>
+          <p:cNvCxnSpPr>
+            <a:stCxn id="2050" idx="2"/>
+            <a:endCxn id="2058" idx="0"/>
+          </p:cNvCxnSpPr>
+          <p:nvPr/>
+        </p:nvCxnSpPr>
+        <p:spPr>
+          <a:xfrm>
+            <a:off x="9412642" y="3549418"/>
+            <a:ext cx="0" cy="776285"/>
+          </a:xfrm>
+          <a:prstGeom prst="straightConnector1">
+            <a:avLst/>
+          </a:prstGeom>
+          <a:ln>
+            <a:tailEnd type="triangle"/>
+          </a:ln>
+        </p:spPr>
+        <p:style>
+          <a:lnRef idx="3">
+            <a:schemeClr val="accent1"/>
+          </a:lnRef>
+          <a:fillRef idx="0">
+            <a:schemeClr val="accent1"/>
+          </a:fillRef>
+          <a:effectRef idx="2">
+            <a:schemeClr val="accent1"/>
+          </a:effectRef>
+          <a:fontRef idx="minor">
+            <a:schemeClr val="tx1"/>
+          </a:fontRef>
+        </p:style>
+      </p:cxnSp>
+      <p:cxnSp>
+        <p:nvCxnSpPr>
+          <p:cNvPr id="14" name="Conector: angular 13"/>
+          <p:cNvCxnSpPr>
+            <a:stCxn id="2058" idx="1"/>
+            <a:endCxn id="3" idx="2"/>
+          </p:cNvCxnSpPr>
+          <p:nvPr/>
+        </p:nvCxnSpPr>
+        <p:spPr>
+          <a:xfrm rot="10800000">
+            <a:off x="6291308" y="3742558"/>
+            <a:ext cx="2080668" cy="1302669"/>
+          </a:xfrm>
+          <a:prstGeom prst="bentConnector2">
+            <a:avLst/>
+          </a:prstGeom>
+          <a:ln>
+            <a:tailEnd type="triangle"/>
+          </a:ln>
+        </p:spPr>
+        <p:style>
+          <a:lnRef idx="3">
+            <a:schemeClr val="accent2"/>
+          </a:lnRef>
+          <a:fillRef idx="0">
+            <a:schemeClr val="accent2"/>
+          </a:fillRef>
+          <a:effectRef idx="2">
+            <a:schemeClr val="accent2"/>
+          </a:effectRef>
+          <a:fontRef idx="minor">
+            <a:schemeClr val="tx1"/>
+          </a:fontRef>
+        </p:style>
+      </p:cxnSp>
+      <p:cxnSp>
+        <p:nvCxnSpPr>
+          <p:cNvPr id="16" name="Conector recto de flecha 15"/>
+          <p:cNvCxnSpPr/>
+          <p:nvPr/>
+        </p:nvCxnSpPr>
+        <p:spPr>
+          <a:xfrm flipH="1">
+            <a:off x="3542190" y="3107184"/>
+            <a:ext cx="1908699" cy="0"/>
+          </a:xfrm>
+          <a:prstGeom prst="straightConnector1">
+            <a:avLst/>
+          </a:prstGeom>
+          <a:ln>
+            <a:tailEnd type="triangle"/>
+          </a:ln>
+        </p:spPr>
+        <p:style>
+          <a:lnRef idx="3">
+            <a:schemeClr val="accent2"/>
+          </a:lnRef>
+          <a:fillRef idx="0">
+            <a:schemeClr val="accent2"/>
+          </a:fillRef>
+          <a:effectRef idx="2">
+            <a:schemeClr val="accent2"/>
+          </a:effectRef>
+          <a:fontRef idx="minor">
+            <a:schemeClr val="tx1"/>
+          </a:fontRef>
+        </p:style>
+      </p:cxnSp>
+      <p:pic>
+        <p:nvPicPr>
+          <p:cNvPr id="21" name="Imagen 20"/>
+          <p:cNvPicPr>
+            <a:picLocks noChangeAspect="1"/>
+          </p:cNvPicPr>
+          <p:nvPr/>
+        </p:nvPicPr>
+        <p:blipFill>
+          <a:blip r:embed="rId7" cstate="print">
+            <a:extLst>
+              <a:ext uri="{28A0092B-C50C-407E-A947-70E740481C1C}">
+                <a14:useLocalDpi xmlns:a14="http://schemas.microsoft.com/office/drawing/2010/main" val="0"/>
+              </a:ext>
+            </a:extLst>
+          </a:blip>
+          <a:stretch>
+            <a:fillRect/>
+          </a:stretch>
+        </p:blipFill>
+        <p:spPr>
+          <a:xfrm>
+            <a:off x="223024" y="5876429"/>
+            <a:ext cx="892362" cy="892362"/>
+          </a:xfrm>
+          <a:prstGeom prst="rect">
+            <a:avLst/>
+          </a:prstGeom>
+        </p:spPr>
+      </p:pic>
+    </p:spTree>
+    <p:extLst>
+      <p:ext uri="{BB962C8B-B14F-4D97-AF65-F5344CB8AC3E}">
+        <p14:creationId xmlns:p14="http://schemas.microsoft.com/office/powerpoint/2010/main" val="4161646713"/>
+      </p:ext>
+    </p:extLst>
+  </p:cSld>
+  <p:clrMapOvr>
+    <a:masterClrMapping/>
+  </p:clrMapOvr>
+  <p:timing>
+    <p:tnLst>
+      <p:par>
+        <p:cTn id="1" dur="indefinite" restart="never" nodeType="tmRoot">
+          <p:childTnLst>
+            <p:seq concurrent="1" nextAc="seek">
+              <p:cTn id="2" dur="indefinite" nodeType="mainSeq">
+                <p:childTnLst>
+                  <p:par>
+                    <p:cTn id="3" fill="hold">
+                      <p:stCondLst>
+                        <p:cond delay="indefinite"/>
+                      </p:stCondLst>
+                      <p:childTnLst>
+                        <p:par>
+                          <p:cTn id="4" fill="hold">
+                            <p:stCondLst>
+                              <p:cond delay="0"/>
+                            </p:stCondLst>
+                            <p:childTnLst>
+                              <p:par>
+                                <p:cTn id="5" presetID="1" presetClass="entr" presetSubtype="0" fill="hold" nodeType="clickEffect">
+                                  <p:stCondLst>
+                                    <p:cond delay="0"/>
+                                  </p:stCondLst>
+                                  <p:childTnLst>
+                                    <p:set>
+                                      <p:cBhvr>
+                                        <p:cTn id="6" dur="1" fill="hold">
+                                          <p:stCondLst>
+                                            <p:cond delay="0"/>
+                                          </p:stCondLst>
+                                        </p:cTn>
+                                        <p:tgtEl>
+                                          <p:spTgt spid="3"/>
+                                        </p:tgtEl>
+                                        <p:attrNameLst>
+                                          <p:attrName>style.visibility</p:attrName>
+                                        </p:attrNameLst>
+                                      </p:cBhvr>
+                                      <p:to>
+                                        <p:strVal val="visible"/>
+                                      </p:to>
+                                    </p:set>
+                                  </p:childTnLst>
+                                </p:cTn>
+                              </p:par>
+                              <p:par>
+                                <p:cTn id="7" presetID="1" presetClass="entr" presetSubtype="0" fill="hold" nodeType="withEffect">
+                                  <p:stCondLst>
+                                    <p:cond delay="0"/>
+                                  </p:stCondLst>
+                                  <p:childTnLst>
+                                    <p:set>
+                                      <p:cBhvr>
+                                        <p:cTn id="8" dur="1" fill="hold">
+                                          <p:stCondLst>
+                                            <p:cond delay="0"/>
+                                          </p:stCondLst>
+                                        </p:cTn>
+                                        <p:tgtEl>
+                                          <p:spTgt spid="5"/>
+                                        </p:tgtEl>
+                                        <p:attrNameLst>
+                                          <p:attrName>style.visibility</p:attrName>
+                                        </p:attrNameLst>
+                                      </p:cBhvr>
+                                      <p:to>
+                                        <p:strVal val="visible"/>
+                                      </p:to>
+                                    </p:set>
+                                  </p:childTnLst>
+                                </p:cTn>
+                              </p:par>
+                            </p:childTnLst>
+                          </p:cTn>
+                        </p:par>
+                      </p:childTnLst>
+                    </p:cTn>
+                  </p:par>
+                  <p:par>
+                    <p:cTn id="9" fill="hold">
+                      <p:stCondLst>
+                        <p:cond delay="indefinite"/>
+                      </p:stCondLst>
+                      <p:childTnLst>
+                        <p:par>
+                          <p:cTn id="10" fill="hold">
+                            <p:stCondLst>
+                              <p:cond delay="0"/>
+                            </p:stCondLst>
+                            <p:childTnLst>
+                              <p:par>
+                                <p:cTn id="11" presetID="1" presetClass="entr" presetSubtype="0" fill="hold" nodeType="clickEffect">
+                                  <p:stCondLst>
+                                    <p:cond delay="0"/>
+                                  </p:stCondLst>
+                                  <p:childTnLst>
+                                    <p:set>
+                                      <p:cBhvr>
+                                        <p:cTn id="12" dur="1" fill="hold">
+                                          <p:stCondLst>
+                                            <p:cond delay="0"/>
+                                          </p:stCondLst>
+                                        </p:cTn>
+                                        <p:tgtEl>
+                                          <p:spTgt spid="7"/>
+                                        </p:tgtEl>
+                                        <p:attrNameLst>
+                                          <p:attrName>style.visibility</p:attrName>
+                                        </p:attrNameLst>
+                                      </p:cBhvr>
+                                      <p:to>
+                                        <p:strVal val="visible"/>
+                                      </p:to>
+                                    </p:set>
+                                  </p:childTnLst>
+                                </p:cTn>
+                              </p:par>
+                              <p:par>
+                                <p:cTn id="13" presetID="1" presetClass="entr" presetSubtype="0" fill="hold" nodeType="withEffect">
+                                  <p:stCondLst>
+                                    <p:cond delay="0"/>
+                                  </p:stCondLst>
+                                  <p:childTnLst>
+                                    <p:set>
+                                      <p:cBhvr>
+                                        <p:cTn id="14" dur="1" fill="hold">
+                                          <p:stCondLst>
+                                            <p:cond delay="0"/>
+                                          </p:stCondLst>
+                                        </p:cTn>
+                                        <p:tgtEl>
+                                          <p:spTgt spid="2050"/>
+                                        </p:tgtEl>
+                                        <p:attrNameLst>
+                                          <p:attrName>style.visibility</p:attrName>
+                                        </p:attrNameLst>
+                                      </p:cBhvr>
+                                      <p:to>
+                                        <p:strVal val="visible"/>
+                                      </p:to>
+                                    </p:set>
+                                  </p:childTnLst>
+                                </p:cTn>
+                              </p:par>
+                            </p:childTnLst>
+                          </p:cTn>
+                        </p:par>
+                      </p:childTnLst>
+                    </p:cTn>
+                  </p:par>
+                  <p:par>
+                    <p:cTn id="15" fill="hold">
+                      <p:stCondLst>
+                        <p:cond delay="indefinite"/>
+                      </p:stCondLst>
+                      <p:childTnLst>
+                        <p:par>
+                          <p:cTn id="16" fill="hold">
+                            <p:stCondLst>
+                              <p:cond delay="0"/>
+                            </p:stCondLst>
+                            <p:childTnLst>
+                              <p:par>
+                                <p:cTn id="17" presetID="1" presetClass="entr" presetSubtype="0" fill="hold" nodeType="clickEffect">
+                                  <p:stCondLst>
+                                    <p:cond delay="0"/>
+                                  </p:stCondLst>
+                                  <p:childTnLst>
+                                    <p:set>
+                                      <p:cBhvr>
+                                        <p:cTn id="18" dur="1" fill="hold">
+                                          <p:stCondLst>
+                                            <p:cond delay="0"/>
+                                          </p:stCondLst>
+                                        </p:cTn>
+                                        <p:tgtEl>
+                                          <p:spTgt spid="11"/>
+                                        </p:tgtEl>
+                                        <p:attrNameLst>
+                                          <p:attrName>style.visibility</p:attrName>
+                                        </p:attrNameLst>
+                                      </p:cBhvr>
+                                      <p:to>
+                                        <p:strVal val="visible"/>
+                                      </p:to>
+                                    </p:set>
+                                  </p:childTnLst>
+                                </p:cTn>
+                              </p:par>
+                              <p:par>
+                                <p:cTn id="19" presetID="1" presetClass="entr" presetSubtype="0" fill="hold" nodeType="withEffect">
+                                  <p:stCondLst>
+                                    <p:cond delay="0"/>
+                                  </p:stCondLst>
+                                  <p:childTnLst>
+                                    <p:set>
+                                      <p:cBhvr>
+                                        <p:cTn id="20" dur="1" fill="hold">
+                                          <p:stCondLst>
+                                            <p:cond delay="0"/>
+                                          </p:stCondLst>
+                                        </p:cTn>
+                                        <p:tgtEl>
+                                          <p:spTgt spid="2058"/>
+                                        </p:tgtEl>
+                                        <p:attrNameLst>
+                                          <p:attrName>style.visibility</p:attrName>
+                                        </p:attrNameLst>
+                                      </p:cBhvr>
+                                      <p:to>
+                                        <p:strVal val="visible"/>
+                                      </p:to>
+                                    </p:set>
+                                  </p:childTnLst>
+                                </p:cTn>
+                              </p:par>
+                            </p:childTnLst>
+                          </p:cTn>
+                        </p:par>
+                      </p:childTnLst>
+                    </p:cTn>
+                  </p:par>
+                  <p:par>
+                    <p:cTn id="21" fill="hold">
+                      <p:stCondLst>
+                        <p:cond delay="indefinite"/>
+                      </p:stCondLst>
+                      <p:childTnLst>
+                        <p:par>
+                          <p:cTn id="22" fill="hold">
+                            <p:stCondLst>
+                              <p:cond delay="0"/>
+                            </p:stCondLst>
+                            <p:childTnLst>
+                              <p:par>
+                                <p:cTn id="23" presetID="1" presetClass="entr" presetSubtype="0" fill="hold" nodeType="clickEffect">
+                                  <p:stCondLst>
+                                    <p:cond delay="0"/>
+                                  </p:stCondLst>
+                                  <p:childTnLst>
+                                    <p:set>
+                                      <p:cBhvr>
+                                        <p:cTn id="24" dur="1" fill="hold">
+                                          <p:stCondLst>
+                                            <p:cond delay="0"/>
+                                          </p:stCondLst>
+                                        </p:cTn>
+                                        <p:tgtEl>
+                                          <p:spTgt spid="14"/>
+                                        </p:tgtEl>
+                                        <p:attrNameLst>
+                                          <p:attrName>style.visibility</p:attrName>
+                                        </p:attrNameLst>
+                                      </p:cBhvr>
+                                      <p:to>
+                                        <p:strVal val="visible"/>
+                                      </p:to>
+                                    </p:set>
+                                  </p:childTnLst>
+                                </p:cTn>
+                              </p:par>
+                            </p:childTnLst>
+                          </p:cTn>
+                        </p:par>
+                      </p:childTnLst>
+                    </p:cTn>
+                  </p:par>
+                  <p:par>
+                    <p:cTn id="25" fill="hold">
+                      <p:stCondLst>
+                        <p:cond delay="indefinite"/>
+                      </p:stCondLst>
+                      <p:childTnLst>
+                        <p:par>
+                          <p:cTn id="26" fill="hold">
+                            <p:stCondLst>
+                              <p:cond delay="0"/>
+                            </p:stCondLst>
+                            <p:childTnLst>
+                              <p:par>
+                                <p:cTn id="27" presetID="1" presetClass="entr" presetSubtype="0" fill="hold" nodeType="clickEffect">
+                                  <p:stCondLst>
+                                    <p:cond delay="0"/>
+                                  </p:stCondLst>
+                                  <p:childTnLst>
+                                    <p:set>
+                                      <p:cBhvr>
+                                        <p:cTn id="28" dur="1" fill="hold">
+                                          <p:stCondLst>
+                                            <p:cond delay="0"/>
+                                          </p:stCondLst>
+                                        </p:cTn>
+                                        <p:tgtEl>
+                                          <p:spTgt spid="16"/>
+                                        </p:tgtEl>
+                                        <p:attrNameLst>
+                                          <p:attrName>style.visibility</p:attrName>
+                                        </p:attrNameLst>
+                                      </p:cBhvr>
+                                      <p:to>
+                                        <p:strVal val="visible"/>
+                                      </p:to>
+                                    </p:set>
+                                  </p:childTnLst>
+                                </p:cTn>
+                              </p:par>
+                            </p:childTnLst>
+                          </p:cTn>
+                        </p:par>
+                      </p:childTnLst>
+                    </p:cTn>
+                  </p:par>
+                </p:childTnLst>
+              </p:cTn>
+              <p:prevCondLst>
+                <p:cond evt="onPrev" delay="0">
+                  <p:tgtEl>
+                    <p:sldTgt/>
+                  </p:tgtEl>
+                </p:cond>
+              </p:prevCondLst>
+              <p:nextCondLst>
+                <p:cond evt="onNext" delay="0">
+                  <p:tgtEl>
+                    <p:sldTgt/>
+                  </p:tgtEl>
+                </p:cond>
+              </p:nextCondLst>
+            </p:seq>
+          </p:childTnLst>
+        </p:cTn>
       </p:par>
     </p:tnLst>
   </p:timing>
@@ -4439,4 +6753,299 @@
     </a:ext>
   </a:extLst>
 </a:theme>
+</file>
+
+<file path=ppt/theme/theme2.xml><?xml version="1.0" encoding="utf-8"?>
+<a:theme xmlns:a="http://schemas.openxmlformats.org/drawingml/2006/main" name="Tema de Office">
+  <a:themeElements>
+    <a:clrScheme name="Office">
+      <a:dk1>
+        <a:sysClr val="windowText" lastClr="000000"/>
+      </a:dk1>
+      <a:lt1>
+        <a:sysClr val="window" lastClr="FFFFFF"/>
+      </a:lt1>
+      <a:dk2>
+        <a:srgbClr val="44546A"/>
+      </a:dk2>
+      <a:lt2>
+        <a:srgbClr val="E7E6E6"/>
+      </a:lt2>
+      <a:accent1>
+        <a:srgbClr val="4472C4"/>
+      </a:accent1>
+      <a:accent2>
+        <a:srgbClr val="ED7D31"/>
+      </a:accent2>
+      <a:accent3>
+        <a:srgbClr val="A5A5A5"/>
+      </a:accent3>
+      <a:accent4>
+        <a:srgbClr val="FFC000"/>
+      </a:accent4>
+      <a:accent5>
+        <a:srgbClr val="5B9BD5"/>
+      </a:accent5>
+      <a:accent6>
+        <a:srgbClr val="70AD47"/>
+      </a:accent6>
+      <a:hlink>
+        <a:srgbClr val="0563C1"/>
+      </a:hlink>
+      <a:folHlink>
+        <a:srgbClr val="954F72"/>
+      </a:folHlink>
+    </a:clrScheme>
+    <a:fontScheme name="Office">
+      <a:majorFont>
+        <a:latin typeface="Calibri Light" panose="020F0302020204030204"/>
+        <a:ea typeface=""/>
+        <a:cs typeface=""/>
+        <a:font script="Jpan" typeface="游ゴシック Light"/>
+        <a:font script="Hang" typeface="맑은 고딕"/>
+        <a:font script="Hans" typeface="等线 Light"/>
+        <a:font script="Hant" typeface="新細明體"/>
+        <a:font script="Arab" typeface="Times New Roman"/>
+        <a:font script="Hebr" typeface="Times New Roman"/>
+        <a:font script="Thai" typeface="Angsana New"/>
+        <a:font script="Ethi" typeface="Nyala"/>
+        <a:font script="Beng" typeface="Vrinda"/>
+        <a:font script="Gujr" typeface="Shruti"/>
+        <a:font script="Khmr" typeface="MoolBoran"/>
+        <a:font script="Knda" typeface="Tunga"/>
+        <a:font script="Guru" typeface="Raavi"/>
+        <a:font script="Cans" typeface="Euphemia"/>
+        <a:font script="Cher" typeface="Plantagenet Cherokee"/>
+        <a:font script="Yiii" typeface="Microsoft Yi Baiti"/>
+        <a:font script="Tibt" typeface="Microsoft Himalaya"/>
+        <a:font script="Thaa" typeface="MV Boli"/>
+        <a:font script="Deva" typeface="Mangal"/>
+        <a:font script="Telu" typeface="Gautami"/>
+        <a:font script="Taml" typeface="Latha"/>
+        <a:font script="Syrc" typeface="Estrangelo Edessa"/>
+        <a:font script="Orya" typeface="Kalinga"/>
+        <a:font script="Mlym" typeface="Kartika"/>
+        <a:font script="Laoo" typeface="DokChampa"/>
+        <a:font script="Sinh" typeface="Iskoola Pota"/>
+        <a:font script="Mong" typeface="Mongolian Baiti"/>
+        <a:font script="Viet" typeface="Times New Roman"/>
+        <a:font script="Uigh" typeface="Microsoft Uighur"/>
+        <a:font script="Geor" typeface="Sylfaen"/>
+        <a:font script="Armn" typeface="Arial"/>
+        <a:font script="Bugi" typeface="Leelawadee UI"/>
+        <a:font script="Bopo" typeface="Microsoft JhengHei"/>
+        <a:font script="Java" typeface="Javanese Text"/>
+        <a:font script="Lisu" typeface="Segoe UI"/>
+        <a:font script="Mymr" typeface="Myanmar Text"/>
+        <a:font script="Nkoo" typeface="Ebrima"/>
+        <a:font script="Olck" typeface="Nirmala UI"/>
+        <a:font script="Osma" typeface="Ebrima"/>
+        <a:font script="Phag" typeface="Phagspa"/>
+        <a:font script="Syrn" typeface="Estrangelo Edessa"/>
+        <a:font script="Syrj" typeface="Estrangelo Edessa"/>
+        <a:font script="Syre" typeface="Estrangelo Edessa"/>
+        <a:font script="Sora" typeface="Nirmala UI"/>
+        <a:font script="Tale" typeface="Microsoft Tai Le"/>
+        <a:font script="Talu" typeface="Microsoft New Tai Lue"/>
+        <a:font script="Tfng" typeface="Ebrima"/>
+      </a:majorFont>
+      <a:minorFont>
+        <a:latin typeface="Calibri" panose="020F0502020204030204"/>
+        <a:ea typeface=""/>
+        <a:cs typeface=""/>
+        <a:font script="Jpan" typeface="游ゴシック"/>
+        <a:font script="Hang" typeface="맑은 고딕"/>
+        <a:font script="Hans" typeface="等线"/>
+        <a:font script="Hant" typeface="新細明體"/>
+        <a:font script="Arab" typeface="Arial"/>
+        <a:font script="Hebr" typeface="Arial"/>
+        <a:font script="Thai" typeface="Cordia New"/>
+        <a:font script="Ethi" typeface="Nyala"/>
+        <a:font script="Beng" typeface="Vrinda"/>
+        <a:font script="Gujr" typeface="Shruti"/>
+        <a:font script="Khmr" typeface="DaunPenh"/>
+        <a:font script="Knda" typeface="Tunga"/>
+        <a:font script="Guru" typeface="Raavi"/>
+        <a:font script="Cans" typeface="Euphemia"/>
+        <a:font script="Cher" typeface="Plantagenet Cherokee"/>
+        <a:font script="Yiii" typeface="Microsoft Yi Baiti"/>
+        <a:font script="Tibt" typeface="Microsoft Himalaya"/>
+        <a:font script="Thaa" typeface="MV Boli"/>
+        <a:font script="Deva" typeface="Mangal"/>
+        <a:font script="Telu" typeface="Gautami"/>
+        <a:font script="Taml" typeface="Latha"/>
+        <a:font script="Syrc" typeface="Estrangelo Edessa"/>
+        <a:font script="Orya" typeface="Kalinga"/>
+        <a:font script="Mlym" typeface="Kartika"/>
+        <a:font script="Laoo" typeface="DokChampa"/>
+        <a:font script="Sinh" typeface="Iskoola Pota"/>
+        <a:font script="Mong" typeface="Mongolian Baiti"/>
+        <a:font script="Viet" typeface="Arial"/>
+        <a:font script="Uigh" typeface="Microsoft Uighur"/>
+        <a:font script="Geor" typeface="Sylfaen"/>
+        <a:font script="Armn" typeface="Arial"/>
+        <a:font script="Bugi" typeface="Leelawadee UI"/>
+        <a:font script="Bopo" typeface="Microsoft JhengHei"/>
+        <a:font script="Java" typeface="Javanese Text"/>
+        <a:font script="Lisu" typeface="Segoe UI"/>
+        <a:font script="Mymr" typeface="Myanmar Text"/>
+        <a:font script="Nkoo" typeface="Ebrima"/>
+        <a:font script="Olck" typeface="Nirmala UI"/>
+        <a:font script="Osma" typeface="Ebrima"/>
+        <a:font script="Phag" typeface="Phagspa"/>
+        <a:font script="Syrn" typeface="Estrangelo Edessa"/>
+        <a:font script="Syrj" typeface="Estrangelo Edessa"/>
+        <a:font script="Syre" typeface="Estrangelo Edessa"/>
+        <a:font script="Sora" typeface="Nirmala UI"/>
+        <a:font script="Tale" typeface="Microsoft Tai Le"/>
+        <a:font script="Talu" typeface="Microsoft New Tai Lue"/>
+        <a:font script="Tfng" typeface="Ebrima"/>
+      </a:minorFont>
+    </a:fontScheme>
+    <a:fmtScheme name="Office">
+      <a:fillStyleLst>
+        <a:solidFill>
+          <a:schemeClr val="phClr"/>
+        </a:solidFill>
+        <a:gradFill rotWithShape="1">
+          <a:gsLst>
+            <a:gs pos="0">
+              <a:schemeClr val="phClr">
+                <a:lumMod val="110000"/>
+                <a:satMod val="105000"/>
+                <a:tint val="67000"/>
+              </a:schemeClr>
+            </a:gs>
+            <a:gs pos="50000">
+              <a:schemeClr val="phClr">
+                <a:lumMod val="105000"/>
+                <a:satMod val="103000"/>
+                <a:tint val="73000"/>
+              </a:schemeClr>
+            </a:gs>
+            <a:gs pos="100000">
+              <a:schemeClr val="phClr">
+                <a:lumMod val="105000"/>
+                <a:satMod val="109000"/>
+                <a:tint val="81000"/>
+              </a:schemeClr>
+            </a:gs>
+          </a:gsLst>
+          <a:lin ang="5400000" scaled="0"/>
+        </a:gradFill>
+        <a:gradFill rotWithShape="1">
+          <a:gsLst>
+            <a:gs pos="0">
+              <a:schemeClr val="phClr">
+                <a:satMod val="103000"/>
+                <a:lumMod val="102000"/>
+                <a:tint val="94000"/>
+              </a:schemeClr>
+            </a:gs>
+            <a:gs pos="50000">
+              <a:schemeClr val="phClr">
+                <a:satMod val="110000"/>
+                <a:lumMod val="100000"/>
+                <a:shade val="100000"/>
+              </a:schemeClr>
+            </a:gs>
+            <a:gs pos="100000">
+              <a:schemeClr val="phClr">
+                <a:lumMod val="99000"/>
+                <a:satMod val="120000"/>
+                <a:shade val="78000"/>
+              </a:schemeClr>
+            </a:gs>
+          </a:gsLst>
+          <a:lin ang="5400000" scaled="0"/>
+        </a:gradFill>
+      </a:fillStyleLst>
+      <a:lnStyleLst>
+        <a:ln w="6350" cap="flat" cmpd="sng" algn="ctr">
+          <a:solidFill>
+            <a:schemeClr val="phClr"/>
+          </a:solidFill>
+          <a:prstDash val="solid"/>
+          <a:miter lim="800000"/>
+        </a:ln>
+        <a:ln w="12700" cap="flat" cmpd="sng" algn="ctr">
+          <a:solidFill>
+            <a:schemeClr val="phClr"/>
+          </a:solidFill>
+          <a:prstDash val="solid"/>
+          <a:miter lim="800000"/>
+        </a:ln>
+        <a:ln w="19050" cap="flat" cmpd="sng" algn="ctr">
+          <a:solidFill>
+            <a:schemeClr val="phClr"/>
+          </a:solidFill>
+          <a:prstDash val="solid"/>
+          <a:miter lim="800000"/>
+        </a:ln>
+      </a:lnStyleLst>
+      <a:effectStyleLst>
+        <a:effectStyle>
+          <a:effectLst/>
+        </a:effectStyle>
+        <a:effectStyle>
+          <a:effectLst/>
+        </a:effectStyle>
+        <a:effectStyle>
+          <a:effectLst>
+            <a:outerShdw blurRad="57150" dist="19050" dir="5400000" algn="ctr" rotWithShape="0">
+              <a:srgbClr val="000000">
+                <a:alpha val="63000"/>
+              </a:srgbClr>
+            </a:outerShdw>
+          </a:effectLst>
+        </a:effectStyle>
+      </a:effectStyleLst>
+      <a:bgFillStyleLst>
+        <a:solidFill>
+          <a:schemeClr val="phClr"/>
+        </a:solidFill>
+        <a:solidFill>
+          <a:schemeClr val="phClr">
+            <a:tint val="95000"/>
+            <a:satMod val="170000"/>
+          </a:schemeClr>
+        </a:solidFill>
+        <a:gradFill rotWithShape="1">
+          <a:gsLst>
+            <a:gs pos="0">
+              <a:schemeClr val="phClr">
+                <a:tint val="93000"/>
+                <a:satMod val="150000"/>
+                <a:shade val="98000"/>
+                <a:lumMod val="102000"/>
+              </a:schemeClr>
+            </a:gs>
+            <a:gs pos="50000">
+              <a:schemeClr val="phClr">
+                <a:tint val="98000"/>
+                <a:satMod val="130000"/>
+                <a:shade val="90000"/>
+                <a:lumMod val="103000"/>
+              </a:schemeClr>
+            </a:gs>
+            <a:gs pos="100000">
+              <a:schemeClr val="phClr">
+                <a:shade val="63000"/>
+                <a:satMod val="120000"/>
+              </a:schemeClr>
+            </a:gs>
+          </a:gsLst>
+          <a:lin ang="5400000" scaled="0"/>
+        </a:gradFill>
+      </a:bgFillStyleLst>
+    </a:fmtScheme>
+  </a:themeElements>
+  <a:objectDefaults/>
+  <a:extraClrSchemeLst/>
+  <a:extLst>
+    <a:ext uri="{05A4C25C-085E-4340-85A3-A5531E510DB2}">
+      <thm15:themeFamily xmlns:thm15="http://schemas.microsoft.com/office/thememl/2012/main" name="Office Theme" id="{62F939B6-93AF-4DB8-9C6B-D6C7DFDC589F}" vid="{4A3C46E8-61CC-4603-A589-7422A47A8E4A}"/>
+    </a:ext>
+  </a:extLst>
+</a:theme>
 </file>
--- a/appu.pptx
+++ b/appu.pptx
@@ -210,7 +210,7 @@
           <a:p>
             <a:fld id="{721D7042-0A2A-4143-98CB-F316AA182502}" type="datetimeFigureOut">
               <a:rPr lang="es-ES" smtClean="0"/>
-              <a:t>13/03/2017</a:t>
+              <a:t>16/03/2017</a:t>
             </a:fld>
             <a:endParaRPr lang="es-ES"/>
           </a:p>
@@ -305,7 +305,6 @@
               <a:rPr lang="es-ES"/>
               <a:t>Quinto nivel</a:t>
             </a:r>
-            <a:endParaRPr lang="es-ES"/>
           </a:p>
         </p:txBody>
       </p:sp>
@@ -775,7 +774,7 @@
           <a:p>
             <a:fld id="{2155F9E8-3E6E-400D-9B3B-5B09BF293E17}" type="datetimeFigureOut">
               <a:rPr lang="es-ES" smtClean="0"/>
-              <a:t>13/03/2017</a:t>
+              <a:t>16/03/2017</a:t>
             </a:fld>
             <a:endParaRPr lang="es-ES"/>
           </a:p>
@@ -943,7 +942,7 @@
           <a:p>
             <a:fld id="{2155F9E8-3E6E-400D-9B3B-5B09BF293E17}" type="datetimeFigureOut">
               <a:rPr lang="es-ES" smtClean="0"/>
-              <a:t>13/03/2017</a:t>
+              <a:t>16/03/2017</a:t>
             </a:fld>
             <a:endParaRPr lang="es-ES"/>
           </a:p>
@@ -1121,7 +1120,7 @@
           <a:p>
             <a:fld id="{2155F9E8-3E6E-400D-9B3B-5B09BF293E17}" type="datetimeFigureOut">
               <a:rPr lang="es-ES" smtClean="0"/>
-              <a:t>13/03/2017</a:t>
+              <a:t>16/03/2017</a:t>
             </a:fld>
             <a:endParaRPr lang="es-ES"/>
           </a:p>
@@ -1289,7 +1288,7 @@
           <a:p>
             <a:fld id="{2155F9E8-3E6E-400D-9B3B-5B09BF293E17}" type="datetimeFigureOut">
               <a:rPr lang="es-ES" smtClean="0"/>
-              <a:t>13/03/2017</a:t>
+              <a:t>16/03/2017</a:t>
             </a:fld>
             <a:endParaRPr lang="es-ES"/>
           </a:p>
@@ -1534,7 +1533,7 @@
           <a:p>
             <a:fld id="{2155F9E8-3E6E-400D-9B3B-5B09BF293E17}" type="datetimeFigureOut">
               <a:rPr lang="es-ES" smtClean="0"/>
-              <a:t>13/03/2017</a:t>
+              <a:t>16/03/2017</a:t>
             </a:fld>
             <a:endParaRPr lang="es-ES"/>
           </a:p>
@@ -1763,7 +1762,7 @@
           <a:p>
             <a:fld id="{2155F9E8-3E6E-400D-9B3B-5B09BF293E17}" type="datetimeFigureOut">
               <a:rPr lang="es-ES" smtClean="0"/>
-              <a:t>13/03/2017</a:t>
+              <a:t>16/03/2017</a:t>
             </a:fld>
             <a:endParaRPr lang="es-ES"/>
           </a:p>
@@ -2127,7 +2126,7 @@
           <a:p>
             <a:fld id="{2155F9E8-3E6E-400D-9B3B-5B09BF293E17}" type="datetimeFigureOut">
               <a:rPr lang="es-ES" smtClean="0"/>
-              <a:t>13/03/2017</a:t>
+              <a:t>16/03/2017</a:t>
             </a:fld>
             <a:endParaRPr lang="es-ES"/>
           </a:p>
@@ -2244,7 +2243,7 @@
           <a:p>
             <a:fld id="{2155F9E8-3E6E-400D-9B3B-5B09BF293E17}" type="datetimeFigureOut">
               <a:rPr lang="es-ES" smtClean="0"/>
-              <a:t>13/03/2017</a:t>
+              <a:t>16/03/2017</a:t>
             </a:fld>
             <a:endParaRPr lang="es-ES"/>
           </a:p>
@@ -2339,7 +2338,7 @@
           <a:p>
             <a:fld id="{2155F9E8-3E6E-400D-9B3B-5B09BF293E17}" type="datetimeFigureOut">
               <a:rPr lang="es-ES" smtClean="0"/>
-              <a:t>13/03/2017</a:t>
+              <a:t>16/03/2017</a:t>
             </a:fld>
             <a:endParaRPr lang="es-ES"/>
           </a:p>
@@ -2614,7 +2613,7 @@
           <a:p>
             <a:fld id="{2155F9E8-3E6E-400D-9B3B-5B09BF293E17}" type="datetimeFigureOut">
               <a:rPr lang="es-ES" smtClean="0"/>
-              <a:t>13/03/2017</a:t>
+              <a:t>16/03/2017</a:t>
             </a:fld>
             <a:endParaRPr lang="es-ES"/>
           </a:p>
@@ -2866,7 +2865,7 @@
           <a:p>
             <a:fld id="{2155F9E8-3E6E-400D-9B3B-5B09BF293E17}" type="datetimeFigureOut">
               <a:rPr lang="es-ES" smtClean="0"/>
-              <a:t>13/03/2017</a:t>
+              <a:t>16/03/2017</a:t>
             </a:fld>
             <a:endParaRPr lang="es-ES"/>
           </a:p>
@@ -3077,7 +3076,7 @@
           <a:p>
             <a:fld id="{2155F9E8-3E6E-400D-9B3B-5B09BF293E17}" type="datetimeFigureOut">
               <a:rPr lang="es-ES" smtClean="0"/>
-              <a:t>13/03/2017</a:t>
+              <a:t>16/03/2017</a:t>
             </a:fld>
             <a:endParaRPr lang="es-ES"/>
           </a:p>
@@ -4475,6 +4474,10 @@
             <a:br>
               <a:rPr lang="en-US" sz="2000" dirty="0"/>
             </a:br>
+            <a:r>
+              <a:rPr lang="en-US" sz="2000" dirty="0"/>
+              <a:t/>
+            </a:r>
             <a:br>
               <a:rPr lang="en-US" sz="2000" dirty="0"/>
             </a:br>
@@ -4914,8 +4917,8 @@
         </p:nvSpPr>
         <p:spPr>
           <a:xfrm>
-            <a:off x="2609384" y="847494"/>
-            <a:ext cx="6926896" cy="584775"/>
+            <a:off x="1540982" y="858645"/>
+            <a:ext cx="9063700" cy="584775"/>
           </a:xfrm>
           <a:prstGeom prst="rect">
             <a:avLst/>
@@ -4930,7 +4933,15 @@
           <a:p>
             <a:r>
               <a:rPr lang="en-US" sz="3200" dirty="0"/>
-              <a:t>Never accept challenges drinking beer!!!</a:t>
+              <a:t>Never accept challenges </a:t>
+            </a:r>
+            <a:r>
+              <a:rPr lang="en-US" sz="3200" dirty="0" smtClean="0"/>
+              <a:t>while you’re drinking </a:t>
+            </a:r>
+            <a:r>
+              <a:rPr lang="en-US" sz="3200" dirty="0"/>
+              <a:t>beer!!!</a:t>
             </a:r>
             <a:endParaRPr lang="es-ES" sz="3200" dirty="0"/>
           </a:p>

--- a/appu.pptx
+++ b/appu.pptx
@@ -521,7 +521,44 @@
           <a:bodyPr/>
           <a:lstStyle/>
           <a:p>
-            <a:endParaRPr lang="es-ES" dirty="0"/>
+            <a:pPr marL="0" marR="0" lvl="0" indent="0" algn="l" defTabSz="914400" rtl="0" eaLnBrk="1" fontAlgn="auto" latinLnBrk="0" hangingPunct="1">
+              <a:lnSpc>
+                <a:spcPct val="100000"/>
+              </a:lnSpc>
+              <a:spcBef>
+                <a:spcPts val="0"/>
+              </a:spcBef>
+              <a:spcAft>
+                <a:spcPts val="0"/>
+              </a:spcAft>
+              <a:buClrTx/>
+              <a:buSzTx/>
+              <a:buFontTx/>
+              <a:buNone/>
+              <a:tabLst/>
+              <a:defRPr/>
+            </a:pPr>
+            <a:r>
+              <a:rPr lang="es-ES" sz="1200" b="0" i="0" kern="1200" dirty="0" err="1" smtClean="0">
+                <a:solidFill>
+                  <a:schemeClr val="tx1"/>
+                </a:solidFill>
+                <a:effectLst/>
+                <a:latin typeface="+mn-lt"/>
+                <a:ea typeface="+mn-ea"/>
+                <a:cs typeface="+mn-cs"/>
+              </a:rPr>
+              <a:t>FFmpeg</a:t>
+            </a:r>
+            <a:endParaRPr lang="es-ES" sz="1200" b="0" i="0" kern="1200" dirty="0" smtClean="0">
+              <a:solidFill>
+                <a:schemeClr val="tx1"/>
+              </a:solidFill>
+              <a:effectLst/>
+              <a:latin typeface="+mn-lt"/>
+              <a:ea typeface="+mn-ea"/>
+              <a:cs typeface="+mn-cs"/>
+            </a:endParaRPr>
           </a:p>
         </p:txBody>
       </p:sp>
@@ -3613,6 +3650,13 @@
   <p:clrMapOvr>
     <a:masterClrMapping/>
   </p:clrMapOvr>
+  <p:timing>
+    <p:tnLst>
+      <p:par>
+        <p:cTn id="1" dur="indefinite" restart="never" nodeType="tmRoot"/>
+      </p:par>
+    </p:tnLst>
+  </p:timing>
 </p:sld>
 </file>
 
@@ -3773,107 +3817,9 @@
   <p:timing>
     <p:tnLst>
       <p:par>
-        <p:cTn id="1" dur="indefinite" restart="never" nodeType="tmRoot">
-          <p:childTnLst>
-            <p:seq concurrent="1" nextAc="seek">
-              <p:cTn id="2" dur="indefinite" nodeType="mainSeq">
-                <p:childTnLst>
-                  <p:par>
-                    <p:cTn id="3" fill="hold">
-                      <p:stCondLst>
-                        <p:cond delay="indefinite"/>
-                      </p:stCondLst>
-                      <p:childTnLst>
-                        <p:par>
-                          <p:cTn id="4" fill="hold">
-                            <p:stCondLst>
-                              <p:cond delay="0"/>
-                            </p:stCondLst>
-                            <p:childTnLst>
-                              <p:par>
-                                <p:cTn id="5" presetID="1" presetClass="entr" presetSubtype="0" fill="hold" nodeType="clickEffect">
-                                  <p:stCondLst>
-                                    <p:cond delay="0"/>
-                                  </p:stCondLst>
-                                  <p:childTnLst>
-                                    <p:set>
-                                      <p:cBhvr>
-                                        <p:cTn id="6" dur="1" fill="hold">
-                                          <p:stCondLst>
-                                            <p:cond delay="0"/>
-                                          </p:stCondLst>
-                                        </p:cTn>
-                                        <p:tgtEl>
-                                          <p:spTgt spid="2"/>
-                                        </p:tgtEl>
-                                        <p:attrNameLst>
-                                          <p:attrName>style.visibility</p:attrName>
-                                        </p:attrNameLst>
-                                      </p:cBhvr>
-                                      <p:to>
-                                        <p:strVal val="visible"/>
-                                      </p:to>
-                                    </p:set>
-                                  </p:childTnLst>
-                                </p:cTn>
-                              </p:par>
-                              <p:par>
-                                <p:cTn id="7" presetID="1" presetClass="entr" presetSubtype="0" fill="hold" grpId="0" nodeType="withEffect">
-                                  <p:stCondLst>
-                                    <p:cond delay="0"/>
-                                  </p:stCondLst>
-                                  <p:childTnLst>
-                                    <p:set>
-                                      <p:cBhvr>
-                                        <p:cTn id="8" dur="1" fill="hold">
-                                          <p:stCondLst>
-                                            <p:cond delay="0"/>
-                                          </p:stCondLst>
-                                        </p:cTn>
-                                        <p:tgtEl>
-                                          <p:spTgt spid="3"/>
-                                        </p:tgtEl>
-                                        <p:attrNameLst>
-                                          <p:attrName>style.visibility</p:attrName>
-                                        </p:attrNameLst>
-                                      </p:cBhvr>
-                                      <p:to>
-                                        <p:strVal val="visible"/>
-                                      </p:to>
-                                    </p:set>
-                                  </p:childTnLst>
-                                </p:cTn>
-                              </p:par>
-                            </p:childTnLst>
-                          </p:cTn>
-                        </p:par>
-                      </p:childTnLst>
-                    </p:cTn>
-                  </p:par>
-                </p:childTnLst>
-              </p:cTn>
-              <p:prevCondLst>
-                <p:cond evt="onPrev" delay="0">
-                  <p:tgtEl>
-                    <p:sldTgt/>
-                  </p:tgtEl>
-                </p:cond>
-              </p:prevCondLst>
-              <p:nextCondLst>
-                <p:cond evt="onNext" delay="0">
-                  <p:tgtEl>
-                    <p:sldTgt/>
-                  </p:tgtEl>
-                </p:cond>
-              </p:nextCondLst>
-            </p:seq>
-          </p:childTnLst>
-        </p:cTn>
+        <p:cTn id="1" dur="indefinite" restart="never" nodeType="tmRoot"/>
       </p:par>
     </p:tnLst>
-    <p:bldLst>
-      <p:bldP spid="3" grpId="0"/>
-    </p:bldLst>
   </p:timing>
 </p:sld>
 </file>
@@ -4176,6 +4122,13 @@
   <p:clrMapOvr>
     <a:masterClrMapping/>
   </p:clrMapOvr>
+  <p:timing>
+    <p:tnLst>
+      <p:par>
+        <p:cTn id="1" dur="indefinite" restart="never" nodeType="tmRoot"/>
+      </p:par>
+    </p:tnLst>
+  </p:timing>
 </p:sld>
 </file>
 
@@ -4277,6 +4230,13 @@
   <p:clrMapOvr>
     <a:masterClrMapping/>
   </p:clrMapOvr>
+  <p:timing>
+    <p:tnLst>
+      <p:par>
+        <p:cTn id="1" dur="indefinite" restart="never" nodeType="tmRoot"/>
+      </p:par>
+    </p:tnLst>
+  </p:timing>
 </p:sld>
 </file>
 
@@ -4653,6 +4613,13 @@
   <p:clrMapOvr>
     <a:masterClrMapping/>
   </p:clrMapOvr>
+  <p:timing>
+    <p:tnLst>
+      <p:par>
+        <p:cTn id="1" dur="indefinite" restart="never" nodeType="tmRoot"/>
+      </p:par>
+    </p:tnLst>
+  </p:timing>
 </p:sld>
 </file>
 
@@ -4743,6 +4710,13 @@
   <p:clrMapOvr>
     <a:masterClrMapping/>
   </p:clrMapOvr>
+  <p:timing>
+    <p:tnLst>
+      <p:par>
+        <p:cTn id="1" dur="indefinite" restart="never" nodeType="tmRoot"/>
+      </p:par>
+    </p:tnLst>
+  </p:timing>
 </p:sld>
 </file>
 
@@ -4859,6 +4833,13 @@
   <p:clrMapOvr>
     <a:masterClrMapping/>
   </p:clrMapOvr>
+  <p:timing>
+    <p:tnLst>
+      <p:par>
+        <p:cTn id="1" dur="indefinite" restart="never" nodeType="tmRoot"/>
+      </p:par>
+    </p:tnLst>
+  </p:timing>
 </p:sld>
 </file>
 
@@ -4987,6 +4968,13 @@
   <p:clrMapOvr>
     <a:masterClrMapping/>
   </p:clrMapOvr>
+  <p:timing>
+    <p:tnLst>
+      <p:par>
+        <p:cTn id="1" dur="indefinite" restart="never" nodeType="tmRoot"/>
+      </p:par>
+    </p:tnLst>
+  </p:timing>
 </p:sld>
 </file>
 
@@ -5403,6 +5391,13 @@
   <p:clrMapOvr>
     <a:masterClrMapping/>
   </p:clrMapOvr>
+  <p:timing>
+    <p:tnLst>
+      <p:par>
+        <p:cTn id="1" dur="indefinite" restart="never" nodeType="tmRoot"/>
+      </p:par>
+    </p:tnLst>
+  </p:timing>
 </p:sld>
 </file>
 
